--- a/spring configs.pptx
+++ b/spring configs.pptx
@@ -14,15 +14,18 @@
     <p:sldId id="263" r:id="rId9"/>
     <p:sldId id="264" r:id="rId10"/>
     <p:sldId id="266" r:id="rId11"/>
-    <p:sldId id="267" r:id="rId12"/>
-    <p:sldId id="268" r:id="rId13"/>
-    <p:sldId id="269" r:id="rId14"/>
-    <p:sldId id="270" r:id="rId15"/>
-    <p:sldId id="271" r:id="rId16"/>
-    <p:sldId id="272" r:id="rId17"/>
-    <p:sldId id="273" r:id="rId18"/>
-    <p:sldId id="274" r:id="rId19"/>
-    <p:sldId id="275" r:id="rId20"/>
+    <p:sldId id="278" r:id="rId12"/>
+    <p:sldId id="267" r:id="rId13"/>
+    <p:sldId id="268" r:id="rId14"/>
+    <p:sldId id="277" r:id="rId15"/>
+    <p:sldId id="269" r:id="rId16"/>
+    <p:sldId id="270" r:id="rId17"/>
+    <p:sldId id="271" r:id="rId18"/>
+    <p:sldId id="272" r:id="rId19"/>
+    <p:sldId id="276" r:id="rId20"/>
+    <p:sldId id="273" r:id="rId21"/>
+    <p:sldId id="274" r:id="rId22"/>
+    <p:sldId id="275" r:id="rId23"/>
   </p:sldIdLst>
   <p:sldSz cx="12192000" cy="6858000"/>
   <p:notesSz cx="6858000" cy="9144000"/>
@@ -3141,7 +3144,7 @@
                   <a:srgbClr val="80EB6E"/>
                 </a:solidFill>
               </a:rPr>
-              <a:t>External Application Properties</a:t>
+              <a:t>JSON Application</a:t>
             </a:r>
             <a:endParaRPr lang="en-US">
               <a:solidFill>
@@ -3158,13 +3161,13 @@
             <a:spLocks noGrp="1"/>
           </p:cNvSpPr>
           <p:nvPr>
-            <p:ph idx="1"/>
+            <p:ph sz="half" idx="1"/>
           </p:nvPr>
         </p:nvSpPr>
         <p:spPr>
           <a:xfrm>
-            <a:off x="838200" y="1691005"/>
-            <a:ext cx="10515600" cy="4589780"/>
+            <a:off x="838200" y="1825625"/>
+            <a:ext cx="10516235" cy="4351655"/>
           </a:xfrm>
         </p:spPr>
         <p:txBody>
@@ -3174,11 +3177,8 @@
           <a:p>
             <a:pPr marL="0" indent="0">
               <a:lnSpc>
-                <a:spcPct val="110000"/>
-              </a:lnSpc>
-              <a:spcBef>
-                <a:spcPts val="100"/>
-              </a:spcBef>
+                <a:spcPct val="90000"/>
+              </a:lnSpc>
               <a:spcAft>
                 <a:spcPts val="0"/>
               </a:spcAft>
@@ -3189,8 +3189,27 @@
                 <a:solidFill>
                   <a:schemeClr val="bg1"/>
                 </a:solidFill>
-              </a:rPr>
-              <a:t>Spring Boot will automatically find and load application.properties and application.yaml files from the following locations when your application starts:</a:t>
+                <a:sym typeface="+mn-ea"/>
+              </a:rPr>
+              <a:t>Spring Boot allows to encode a block of properties into a single JSON structure `</a:t>
+            </a:r>
+            <a:r>
+              <a:rPr lang="en-US" sz="2000" i="1">
+                <a:solidFill>
+                  <a:schemeClr val="bg1"/>
+                </a:solidFill>
+                <a:sym typeface="+mn-ea"/>
+              </a:rPr>
+              <a:t>spring.application.json</a:t>
+            </a:r>
+            <a:r>
+              <a:rPr lang="en-US" sz="2000">
+                <a:solidFill>
+                  <a:schemeClr val="bg1"/>
+                </a:solidFill>
+                <a:sym typeface="+mn-ea"/>
+              </a:rPr>
+              <a:t>`</a:t>
             </a:r>
             <a:endParaRPr lang="en-US" sz="2000">
               <a:solidFill>
@@ -3198,232 +3217,82 @@
               </a:solidFill>
             </a:endParaRPr>
           </a:p>
-          <a:p>
-            <a:pPr marL="0" indent="0">
-              <a:lnSpc>
-                <a:spcPct val="110000"/>
-              </a:lnSpc>
-              <a:spcBef>
-                <a:spcPts val="100"/>
-              </a:spcBef>
-              <a:spcAft>
-                <a:spcPts val="0"/>
-              </a:spcAft>
-              <a:buNone/>
-            </a:pPr>
-            <a:endParaRPr lang="en-US" sz="2000">
-              <a:solidFill>
-                <a:schemeClr val="bg1"/>
-              </a:solidFill>
-            </a:endParaRPr>
-          </a:p>
-          <a:p>
-            <a:pPr>
-              <a:lnSpc>
-                <a:spcPct val="110000"/>
-              </a:lnSpc>
-              <a:spcBef>
-                <a:spcPts val="100"/>
-              </a:spcBef>
-              <a:spcAft>
-                <a:spcPts val="0"/>
-              </a:spcAft>
-              <a:buAutoNum type="arabicPeriod"/>
-            </a:pPr>
-            <a:r>
-              <a:rPr lang="en-US" sz="2000">
-                <a:solidFill>
-                  <a:schemeClr val="bg1"/>
-                </a:solidFill>
-              </a:rPr>
-              <a:t>From the classpath</a:t>
-            </a:r>
-            <a:br>
-              <a:rPr lang="en-US" sz="2000">
-                <a:solidFill>
-                  <a:schemeClr val="bg1"/>
-                </a:solidFill>
-              </a:rPr>
-            </a:br>
-            <a:r>
-              <a:rPr lang="en-US" sz="2000">
-                <a:solidFill>
-                  <a:schemeClr val="bg1"/>
-                </a:solidFill>
-              </a:rPr>
-              <a:t>- </a:t>
-            </a:r>
-            <a:r>
-              <a:rPr lang="en-US" sz="2000">
-                <a:solidFill>
-                  <a:schemeClr val="bg1"/>
-                </a:solidFill>
-                <a:sym typeface="+mn-ea"/>
-              </a:rPr>
-              <a:t>The classpath root</a:t>
-            </a:r>
-            <a:br>
-              <a:rPr lang="en-US" sz="2000">
-                <a:solidFill>
-                  <a:schemeClr val="bg1"/>
-                </a:solidFill>
-                <a:sym typeface="+mn-ea"/>
-              </a:rPr>
-            </a:br>
-            <a:r>
-              <a:rPr lang="en-US" sz="2000">
-                <a:solidFill>
-                  <a:schemeClr val="bg1"/>
-                </a:solidFill>
-                <a:sym typeface="+mn-ea"/>
-              </a:rPr>
-              <a:t>- The classpath /config package</a:t>
-            </a:r>
-            <a:endParaRPr lang="en-US" sz="2000">
-              <a:solidFill>
-                <a:schemeClr val="bg1"/>
-              </a:solidFill>
-            </a:endParaRPr>
-          </a:p>
-          <a:p>
-            <a:pPr>
-              <a:lnSpc>
-                <a:spcPct val="110000"/>
-              </a:lnSpc>
-              <a:spcBef>
-                <a:spcPts val="100"/>
-              </a:spcBef>
-              <a:spcAft>
-                <a:spcPts val="0"/>
-              </a:spcAft>
-              <a:buAutoNum type="arabicPeriod"/>
-            </a:pPr>
-            <a:endParaRPr lang="en-US" sz="2000">
-              <a:solidFill>
-                <a:schemeClr val="bg1"/>
-              </a:solidFill>
-            </a:endParaRPr>
-          </a:p>
-          <a:p>
-            <a:pPr>
-              <a:lnSpc>
-                <a:spcPct val="110000"/>
-              </a:lnSpc>
-              <a:spcBef>
-                <a:spcPts val="100"/>
-              </a:spcBef>
-              <a:spcAft>
-                <a:spcPts val="0"/>
-              </a:spcAft>
-              <a:buAutoNum type="arabicPeriod"/>
-            </a:pPr>
-            <a:r>
-              <a:rPr lang="en-US" sz="2000">
-                <a:solidFill>
-                  <a:schemeClr val="bg1"/>
-                </a:solidFill>
-              </a:rPr>
-              <a:t>From the current directory</a:t>
-            </a:r>
-            <a:br>
-              <a:rPr lang="en-US" sz="2000">
-                <a:solidFill>
-                  <a:schemeClr val="bg1"/>
-                </a:solidFill>
-              </a:rPr>
-            </a:br>
-            <a:r>
-              <a:rPr lang="en-US" sz="2000">
-                <a:solidFill>
-                  <a:schemeClr val="bg1"/>
-                </a:solidFill>
-              </a:rPr>
-              <a:t>- The current directory</a:t>
-            </a:r>
-            <a:br>
-              <a:rPr lang="en-US" sz="2000">
-                <a:solidFill>
-                  <a:schemeClr val="bg1"/>
-                </a:solidFill>
-              </a:rPr>
-            </a:br>
-            <a:r>
-              <a:rPr lang="en-US" sz="2000">
-                <a:solidFill>
-                  <a:schemeClr val="bg1"/>
-                </a:solidFill>
-              </a:rPr>
-              <a:t>- The config/subdirectory in the current directory</a:t>
-            </a:r>
-            <a:br>
-              <a:rPr lang="en-US" sz="2000">
-                <a:solidFill>
-                  <a:schemeClr val="bg1"/>
-                </a:solidFill>
-              </a:rPr>
-            </a:br>
-            <a:r>
-              <a:rPr lang="en-US" sz="2000">
-                <a:solidFill>
-                  <a:schemeClr val="bg1"/>
-                </a:solidFill>
-              </a:rPr>
-              <a:t>- Immediate child directories of the config/ subdirectory</a:t>
-            </a:r>
-            <a:endParaRPr lang="en-US" sz="2000">
-              <a:solidFill>
-                <a:schemeClr val="bg1"/>
-              </a:solidFill>
-            </a:endParaRPr>
-          </a:p>
-          <a:p>
-            <a:pPr marL="0" indent="0">
-              <a:lnSpc>
-                <a:spcPct val="110000"/>
-              </a:lnSpc>
-              <a:spcBef>
-                <a:spcPts val="100"/>
-              </a:spcBef>
-              <a:spcAft>
-                <a:spcPts val="0"/>
-              </a:spcAft>
-              <a:buNone/>
-            </a:pPr>
-            <a:endParaRPr lang="en-US" sz="2000">
-              <a:solidFill>
-                <a:schemeClr val="bg1"/>
-              </a:solidFill>
-            </a:endParaRPr>
-          </a:p>
-          <a:p>
-            <a:pPr marL="0" indent="0">
-              <a:lnSpc>
-                <a:spcPct val="110000"/>
-              </a:lnSpc>
-              <a:spcBef>
-                <a:spcPts val="100"/>
-              </a:spcBef>
-              <a:spcAft>
-                <a:spcPts val="0"/>
-              </a:spcAft>
-              <a:buNone/>
-            </a:pPr>
-            <a:r>
-              <a:rPr lang="en-US" sz="2000">
-                <a:solidFill>
-                  <a:schemeClr val="bg1"/>
-                </a:solidFill>
-              </a:rPr>
-              <a:t>The list is ordered by precedence (with values from lower items overriding earlier ones)</a:t>
-            </a:r>
-            <a:endParaRPr lang="en-US" sz="2000">
-              <a:solidFill>
-                <a:schemeClr val="bg1"/>
-              </a:solidFill>
-            </a:endParaRPr>
-          </a:p>
-        </p:txBody>
-      </p:sp>
+        </p:txBody>
+      </p:sp>
+      <p:pic>
+        <p:nvPicPr>
+          <p:cNvPr id="5" name="Picture 4"/>
+          <p:cNvPicPr>
+            <a:picLocks noChangeAspect="1"/>
+          </p:cNvPicPr>
+          <p:nvPr/>
+        </p:nvPicPr>
+        <p:blipFill>
+          <a:blip r:embed="rId1"/>
+          <a:stretch>
+            <a:fillRect/>
+          </a:stretch>
+        </p:blipFill>
+        <p:spPr>
+          <a:xfrm>
+            <a:off x="838200" y="3813175"/>
+            <a:ext cx="10515600" cy="539750"/>
+          </a:xfrm>
+          <a:prstGeom prst="rect">
+            <a:avLst/>
+          </a:prstGeom>
+        </p:spPr>
+      </p:pic>
+      <p:pic>
+        <p:nvPicPr>
+          <p:cNvPr id="9" name="Content Placeholder 8"/>
+          <p:cNvPicPr>
+            <a:picLocks noChangeAspect="1"/>
+          </p:cNvPicPr>
+          <p:nvPr>
+            <p:ph sz="half" idx="2"/>
+          </p:nvPr>
+        </p:nvPicPr>
+        <p:blipFill>
+          <a:blip r:embed="rId2"/>
+          <a:stretch>
+            <a:fillRect/>
+          </a:stretch>
+        </p:blipFill>
+        <p:spPr>
+          <a:xfrm>
+            <a:off x="838200" y="2860040"/>
+            <a:ext cx="10515600" cy="569595"/>
+          </a:xfrm>
+          <a:prstGeom prst="rect">
+            <a:avLst/>
+          </a:prstGeom>
+        </p:spPr>
+      </p:pic>
+      <p:pic>
+        <p:nvPicPr>
+          <p:cNvPr id="10" name="Picture 9"/>
+          <p:cNvPicPr>
+            <a:picLocks noChangeAspect="1"/>
+          </p:cNvPicPr>
+          <p:nvPr/>
+        </p:nvPicPr>
+        <p:blipFill>
+          <a:blip r:embed="rId3"/>
+          <a:stretch>
+            <a:fillRect/>
+          </a:stretch>
+        </p:blipFill>
+        <p:spPr>
+          <a:xfrm>
+            <a:off x="838835" y="4736465"/>
+            <a:ext cx="10515600" cy="492125"/>
+          </a:xfrm>
+          <a:prstGeom prst="rect">
+            <a:avLst/>
+          </a:prstGeom>
+        </p:spPr>
+      </p:pic>
     </p:spTree>
   </p:cSld>
   <p:clrMapOvr>
@@ -3441,6 +3310,13 @@
       </p:transition>
     </mc:Fallback>
   </mc:AlternateContent>
+  <p:timing>
+    <p:tnLst>
+      <p:par>
+        <p:cTn id="1" dur="indefinite" restart="never" nodeType="tmRoot"/>
+      </p:par>
+    </p:tnLst>
+  </p:timing>
 </p:sld>
 </file>
 
@@ -3476,7 +3352,7 @@
                   <a:srgbClr val="80EB6E"/>
                 </a:solidFill>
               </a:rPr>
-              <a:t>Application Properties Customization</a:t>
+              <a:t>External Application Properties</a:t>
             </a:r>
             <a:endParaRPr lang="en-US">
               <a:solidFill>
@@ -3512,7 +3388,7 @@
                 <a:spcPct val="110000"/>
               </a:lnSpc>
               <a:spcBef>
-                <a:spcPts val="2500"/>
+                <a:spcPts val="100"/>
               </a:spcBef>
               <a:spcAft>
                 <a:spcPts val="0"/>
@@ -3520,20 +3396,12 @@
               <a:buNone/>
             </a:pPr>
             <a:r>
-              <a:rPr lang="en-US" sz="2000" i="1">
-                <a:solidFill>
-                  <a:schemeClr val="bg1"/>
-                </a:solidFill>
-              </a:rPr>
-              <a:t>spring.config.name</a:t>
-            </a:r>
-            <a:r>
-              <a:rPr lang="en-US" sz="2000">
-                <a:solidFill>
-                  <a:schemeClr val="bg1"/>
-                </a:solidFill>
-              </a:rPr>
-              <a:t> - switch to another file name</a:t>
+              <a:rPr lang="en-US" sz="2000">
+                <a:solidFill>
+                  <a:schemeClr val="bg1"/>
+                </a:solidFill>
+              </a:rPr>
+              <a:t>Spring Boot will automatically find and load application.properties and application.yaml files from the following locations when your application starts:</a:t>
             </a:r>
             <a:endParaRPr lang="en-US" sz="2000">
               <a:solidFill>
@@ -3547,29 +3415,13 @@
                 <a:spcPct val="110000"/>
               </a:lnSpc>
               <a:spcBef>
-                <a:spcPts val="2500"/>
+                <a:spcPts val="100"/>
               </a:spcBef>
               <a:spcAft>
                 <a:spcPts val="0"/>
               </a:spcAft>
               <a:buNone/>
             </a:pPr>
-            <a:r>
-              <a:rPr lang="en-US" sz="2000" i="1">
-                <a:solidFill>
-                  <a:schemeClr val="bg1"/>
-                </a:solidFill>
-              </a:rPr>
-              <a:t>spring.config.location</a:t>
-            </a:r>
-            <a:r>
-              <a:rPr lang="en-US" sz="2000">
-                <a:solidFill>
-                  <a:schemeClr val="bg1"/>
-                </a:solidFill>
-              </a:rPr>
-              <a:t> - explicit location; this property accepts a comma-separated list</a:t>
-            </a:r>
             <a:endParaRPr lang="en-US" sz="2000">
               <a:solidFill>
                 <a:schemeClr val="bg1"/>
@@ -3577,33 +3429,66 @@
             </a:endParaRPr>
           </a:p>
           <a:p>
-            <a:pPr marL="0" indent="0">
+            <a:pPr>
               <a:lnSpc>
                 <a:spcPct val="110000"/>
               </a:lnSpc>
               <a:spcBef>
-                <a:spcPts val="2500"/>
+                <a:spcPts val="100"/>
               </a:spcBef>
               <a:spcAft>
                 <a:spcPts val="0"/>
               </a:spcAft>
-              <a:buNone/>
-            </a:pPr>
-            <a:r>
-              <a:rPr lang="en-US" sz="2000" i="1">
-                <a:solidFill>
-                  <a:schemeClr val="bg1"/>
-                </a:solidFill>
-              </a:rPr>
-              <a:t>spring.config.additional-location</a:t>
-            </a:r>
-            <a:r>
-              <a:rPr lang="en-US" sz="2000">
-                <a:solidFill>
-                  <a:schemeClr val="bg1"/>
-                </a:solidFill>
-              </a:rPr>
-              <a:t> - overrides properties in the default locations</a:t>
+              <a:buAutoNum type="arabicPeriod"/>
+            </a:pPr>
+            <a:r>
+              <a:rPr lang="en-US" sz="2000">
+                <a:solidFill>
+                  <a:schemeClr val="bg1"/>
+                </a:solidFill>
+              </a:rPr>
+              <a:t>From the classpath</a:t>
+            </a:r>
+            <a:br>
+              <a:rPr lang="en-US" sz="2000">
+                <a:solidFill>
+                  <a:schemeClr val="bg1"/>
+                </a:solidFill>
+              </a:rPr>
+            </a:br>
+            <a:r>
+              <a:rPr lang="en-US" sz="2000">
+                <a:solidFill>
+                  <a:schemeClr val="bg1"/>
+                </a:solidFill>
+              </a:rPr>
+              <a:t>- </a:t>
+            </a:r>
+            <a:r>
+              <a:rPr lang="en-US" sz="2000">
+                <a:solidFill>
+                  <a:schemeClr val="bg1"/>
+                </a:solidFill>
+                <a:sym typeface="+mn-ea"/>
+              </a:rPr>
+              <a:t>The classpath root</a:t>
+            </a:r>
+            <a:br>
+              <a:rPr lang="en-US" sz="2000">
+                <a:solidFill>
+                  <a:schemeClr val="bg1"/>
+                </a:solidFill>
+                <a:sym typeface="+mn-ea"/>
+              </a:rPr>
+            </a:br>
+            <a:r>
+              <a:rPr lang="en-US" sz="2000">
+                <a:solidFill>
+                  <a:schemeClr val="bg1"/>
+                </a:solidFill>
+                <a:sym typeface="+mn-ea"/>
+              </a:rPr>
+              <a:t>- The classpath /config package</a:t>
             </a:r>
             <a:endParaRPr lang="en-US" sz="2000">
               <a:solidFill>
@@ -3612,66 +3497,18 @@
             </a:endParaRPr>
           </a:p>
           <a:p>
-            <a:pPr marL="0" indent="0">
+            <a:pPr>
               <a:lnSpc>
                 <a:spcPct val="110000"/>
               </a:lnSpc>
               <a:spcBef>
-                <a:spcPts val="2500"/>
+                <a:spcPts val="100"/>
               </a:spcBef>
               <a:spcAft>
                 <a:spcPts val="0"/>
               </a:spcAft>
-              <a:buNone/>
-            </a:pPr>
-            <a:r>
-              <a:rPr lang="en-US" sz="2000" i="1">
-                <a:solidFill>
-                  <a:schemeClr val="bg1"/>
-                </a:solidFill>
-              </a:rPr>
-              <a:t>spring.config.name</a:t>
-            </a:r>
-            <a:r>
-              <a:rPr lang="en-US" sz="2000">
-                <a:solidFill>
-                  <a:schemeClr val="bg1"/>
-                </a:solidFill>
-              </a:rPr>
-              <a:t>, </a:t>
-            </a:r>
-            <a:r>
-              <a:rPr lang="en-US" sz="2000" i="1">
-                <a:solidFill>
-                  <a:schemeClr val="bg1"/>
-                </a:solidFill>
-              </a:rPr>
-              <a:t>spring.config.location</a:t>
-            </a:r>
-            <a:r>
-              <a:rPr lang="en-US" sz="2000">
-                <a:solidFill>
-                  <a:schemeClr val="bg1"/>
-                </a:solidFill>
-              </a:rPr>
-              <a:t>, and </a:t>
-            </a:r>
-            <a:r>
-              <a:rPr lang="en-US" sz="2000" i="1">
-                <a:solidFill>
-                  <a:schemeClr val="bg1"/>
-                </a:solidFill>
-              </a:rPr>
-              <a:t>spring.config.additional-location </a:t>
-            </a:r>
-            <a:r>
-              <a:rPr lang="en-US" sz="2000">
-                <a:solidFill>
-                  <a:schemeClr val="bg1"/>
-                </a:solidFill>
-              </a:rPr>
-              <a:t>are used very early to determine which files have to be loaded. They must be defined as an environment property (typically an OS environment variable, a system property, or a command-line argument)</a:t>
-            </a:r>
+              <a:buAutoNum type="arabicPeriod"/>
+            </a:pPr>
             <a:endParaRPr lang="en-US" sz="2000">
               <a:solidFill>
                 <a:schemeClr val="bg1"/>
@@ -3679,41 +3516,70 @@
             </a:endParaRPr>
           </a:p>
           <a:p>
-            <a:pPr marL="0" indent="0">
+            <a:pPr>
               <a:lnSpc>
                 <a:spcPct val="110000"/>
               </a:lnSpc>
               <a:spcBef>
-                <a:spcPts val="2500"/>
+                <a:spcPts val="100"/>
               </a:spcBef>
               <a:spcAft>
                 <a:spcPts val="0"/>
               </a:spcAft>
-              <a:buNone/>
-            </a:pPr>
-            <a:r>
-              <a:rPr lang="en-US" sz="2000">
-                <a:solidFill>
-                  <a:schemeClr val="bg1"/>
-                </a:solidFill>
-              </a:rPr>
-              <a:t>Use the prefix `</a:t>
-            </a:r>
-            <a:r>
-              <a:rPr lang="en-US" sz="2000" i="1">
-                <a:solidFill>
-                  <a:schemeClr val="bg1"/>
-                </a:solidFill>
-              </a:rPr>
-              <a:t>optional:`</a:t>
-            </a:r>
-            <a:r>
-              <a:rPr lang="en-US" sz="2000">
-                <a:solidFill>
-                  <a:schemeClr val="bg1"/>
-                </a:solidFill>
-              </a:rPr>
-              <a:t> if the locations are optional and you do not mind if they do not exist</a:t>
+              <a:buAutoNum type="arabicPeriod"/>
+            </a:pPr>
+            <a:r>
+              <a:rPr lang="en-US" sz="2000">
+                <a:solidFill>
+                  <a:schemeClr val="bg1"/>
+                </a:solidFill>
+              </a:rPr>
+              <a:t>From the current directory</a:t>
+            </a:r>
+            <a:br>
+              <a:rPr lang="en-US" sz="2000">
+                <a:solidFill>
+                  <a:schemeClr val="bg1"/>
+                </a:solidFill>
+              </a:rPr>
+            </a:br>
+            <a:r>
+              <a:rPr lang="en-US" sz="2000">
+                <a:solidFill>
+                  <a:schemeClr val="bg1"/>
+                </a:solidFill>
+              </a:rPr>
+              <a:t>- The current directory</a:t>
+            </a:r>
+            <a:br>
+              <a:rPr lang="en-US" sz="2000">
+                <a:solidFill>
+                  <a:schemeClr val="bg1"/>
+                </a:solidFill>
+              </a:rPr>
+            </a:br>
+            <a:r>
+              <a:rPr lang="en-US" sz="2000">
+                <a:solidFill>
+                  <a:schemeClr val="bg1"/>
+                </a:solidFill>
+              </a:rPr>
+              <a:t>- The config/subdirectory in the current directory</a:t>
+            </a:r>
+            <a:br>
+              <a:rPr lang="en-US" sz="2000">
+                <a:solidFill>
+                  <a:schemeClr val="bg1"/>
+                </a:solidFill>
+              </a:rPr>
+            </a:br>
+            <a:r>
+              <a:rPr lang="en-US" sz="2000">
+                <a:solidFill>
+                  <a:schemeClr val="bg1"/>
+                </a:solidFill>
+              </a:rPr>
+              <a:t>- Immediate child directories of the config/ subdirectory</a:t>
             </a:r>
             <a:endParaRPr lang="en-US" sz="2000">
               <a:solidFill>
@@ -3727,20 +3593,39 @@
                 <a:spcPct val="110000"/>
               </a:lnSpc>
               <a:spcBef>
-                <a:spcPts val="2500"/>
+                <a:spcPts val="100"/>
               </a:spcBef>
               <a:spcAft>
                 <a:spcPts val="0"/>
               </a:spcAft>
               <a:buNone/>
             </a:pPr>
-            <a:r>
-              <a:rPr lang="en-US" sz="2000">
-                <a:solidFill>
-                  <a:schemeClr val="bg1"/>
-                </a:solidFill>
-              </a:rPr>
-              <a:t>Both directory and file location values are also expanded to check for profile-specific files</a:t>
+            <a:endParaRPr lang="en-US" sz="2000">
+              <a:solidFill>
+                <a:schemeClr val="bg1"/>
+              </a:solidFill>
+            </a:endParaRPr>
+          </a:p>
+          <a:p>
+            <a:pPr marL="0" indent="0">
+              <a:lnSpc>
+                <a:spcPct val="110000"/>
+              </a:lnSpc>
+              <a:spcBef>
+                <a:spcPts val="100"/>
+              </a:spcBef>
+              <a:spcAft>
+                <a:spcPts val="0"/>
+              </a:spcAft>
+              <a:buNone/>
+            </a:pPr>
+            <a:r>
+              <a:rPr lang="en-US" sz="2000">
+                <a:solidFill>
+                  <a:schemeClr val="bg1"/>
+                </a:solidFill>
+              </a:rPr>
+              <a:t>The list is ordered by precedence (with values from lower items overriding earlier ones)</a:t>
             </a:r>
             <a:endParaRPr lang="en-US" sz="2000">
               <a:solidFill>
@@ -3802,7 +3687,7 @@
                   <a:srgbClr val="80EB6E"/>
                 </a:solidFill>
               </a:rPr>
-              <a:t>Importing Additional Data</a:t>
+              <a:t>Application Properties Customization</a:t>
             </a:r>
             <a:endParaRPr lang="en-US">
               <a:solidFill>
@@ -3846,12 +3731,20 @@
               <a:buNone/>
             </a:pPr>
             <a:r>
-              <a:rPr lang="en-US" sz="2000">
-                <a:solidFill>
-                  <a:schemeClr val="bg1"/>
-                </a:solidFill>
-              </a:rPr>
-              <a:t>Application properties may import further config data from other locations using the spring.config.import property. Imports are processed as they are discovered, and are treated as additional documents inserted immediately below the one that declares the import</a:t>
+              <a:rPr lang="en-US" sz="2000" i="1">
+                <a:solidFill>
+                  <a:schemeClr val="bg1"/>
+                </a:solidFill>
+              </a:rPr>
+              <a:t>spring.config.name</a:t>
+            </a:r>
+            <a:r>
+              <a:rPr lang="en-US" sz="2000">
+                <a:solidFill>
+                  <a:schemeClr val="bg1"/>
+                </a:solidFill>
+              </a:rPr>
+              <a:t> - switch to another file name</a:t>
             </a:r>
             <a:endParaRPr lang="en-US" sz="2000">
               <a:solidFill>
@@ -3873,12 +3766,20 @@
               <a:buNone/>
             </a:pPr>
             <a:r>
-              <a:rPr lang="en-US" sz="2000">
-                <a:solidFill>
-                  <a:schemeClr val="bg1"/>
-                </a:solidFill>
-              </a:rPr>
-              <a:t>Several locations can be specified under a single spring.config.import key. Locations will be processed in the order that they are defined, with later imports taking precedence</a:t>
+              <a:rPr lang="en-US" sz="2000" i="1">
+                <a:solidFill>
+                  <a:schemeClr val="bg1"/>
+                </a:solidFill>
+              </a:rPr>
+              <a:t>spring.config.location</a:t>
+            </a:r>
+            <a:r>
+              <a:rPr lang="en-US" sz="2000">
+                <a:solidFill>
+                  <a:schemeClr val="bg1"/>
+                </a:solidFill>
+              </a:rPr>
+              <a:t> - explicit location; this property accepts a comma-separated list</a:t>
             </a:r>
             <a:endParaRPr lang="en-US" sz="2000">
               <a:solidFill>
@@ -3900,60 +3801,20 @@
               <a:buNone/>
             </a:pPr>
             <a:r>
-              <a:rPr lang="en-US" sz="2000">
-                <a:solidFill>
-                  <a:schemeClr val="bg1"/>
-                </a:solidFill>
-              </a:rPr>
-              <a:t>When appropriate, </a:t>
-            </a:r>
-            <a:r>
               <a:rPr lang="en-US" sz="2000" i="1">
                 <a:solidFill>
                   <a:schemeClr val="bg1"/>
                 </a:solidFill>
               </a:rPr>
-              <a:t>profile-specific</a:t>
-            </a:r>
-            <a:r>
-              <a:rPr lang="en-US" sz="2000">
-                <a:solidFill>
-                  <a:schemeClr val="bg1"/>
-                </a:solidFill>
-              </a:rPr>
-              <a:t> variants are also considered for import. The example above would import both `</a:t>
-            </a:r>
-            <a:r>
-              <a:rPr lang="en-US" sz="2000" i="1">
-                <a:solidFill>
-                  <a:schemeClr val="bg1"/>
-                </a:solidFill>
-              </a:rPr>
-              <a:t>my.properties`</a:t>
-            </a:r>
-            <a:r>
-              <a:rPr lang="en-US" sz="2000">
-                <a:solidFill>
-                  <a:schemeClr val="bg1"/>
-                </a:solidFill>
-              </a:rPr>
-              <a:t> as well as any `</a:t>
-            </a:r>
-            <a:r>
-              <a:rPr lang="en-US" sz="2000" i="1">
-                <a:solidFill>
-                  <a:schemeClr val="bg1"/>
-                </a:solidFill>
-              </a:rPr>
-              <a:t>my-&lt;profile&gt;.properties`</a:t>
-            </a:r>
-            <a:r>
-              <a:rPr lang="en-US" sz="2000">
-                <a:solidFill>
-                  <a:schemeClr val="bg1"/>
-                </a:solidFill>
-              </a:rPr>
-              <a:t> variants</a:t>
+              <a:t>spring.config.additional-location</a:t>
+            </a:r>
+            <a:r>
+              <a:rPr lang="en-US" sz="2000">
+                <a:solidFill>
+                  <a:schemeClr val="bg1"/>
+                </a:solidFill>
+              </a:rPr>
+              <a:t> - overrides properties in the default locations</a:t>
             </a:r>
             <a:endParaRPr lang="en-US" sz="2000">
               <a:solidFill>
@@ -3975,12 +3836,122 @@
               <a:buNone/>
             </a:pPr>
             <a:r>
-              <a:rPr lang="en-US" sz="2000">
-                <a:solidFill>
-                  <a:schemeClr val="bg1"/>
-                </a:solidFill>
-              </a:rPr>
-              <a:t>Spring Boot includes pluggable API that allows various different location addresses to be supported. By default supported: Java Properties, YAML and `configuration trees`</a:t>
+              <a:rPr lang="en-US" sz="2000" i="1">
+                <a:solidFill>
+                  <a:schemeClr val="bg1"/>
+                </a:solidFill>
+              </a:rPr>
+              <a:t>spring.config.name</a:t>
+            </a:r>
+            <a:r>
+              <a:rPr lang="en-US" sz="2000">
+                <a:solidFill>
+                  <a:schemeClr val="bg1"/>
+                </a:solidFill>
+              </a:rPr>
+              <a:t>, </a:t>
+            </a:r>
+            <a:r>
+              <a:rPr lang="en-US" sz="2000" i="1">
+                <a:solidFill>
+                  <a:schemeClr val="bg1"/>
+                </a:solidFill>
+              </a:rPr>
+              <a:t>spring.config.location</a:t>
+            </a:r>
+            <a:r>
+              <a:rPr lang="en-US" sz="2000">
+                <a:solidFill>
+                  <a:schemeClr val="bg1"/>
+                </a:solidFill>
+              </a:rPr>
+              <a:t>, and </a:t>
+            </a:r>
+            <a:r>
+              <a:rPr lang="en-US" sz="2000" i="1">
+                <a:solidFill>
+                  <a:schemeClr val="bg1"/>
+                </a:solidFill>
+              </a:rPr>
+              <a:t>spring.config.additional-location </a:t>
+            </a:r>
+            <a:r>
+              <a:rPr lang="en-US" sz="2000">
+                <a:solidFill>
+                  <a:schemeClr val="bg1"/>
+                </a:solidFill>
+              </a:rPr>
+              <a:t>are used very early to determine which files have to be loaded. They must be defined as an environment property (typically an OS environment variable, a system property, or a command-line argument)</a:t>
+            </a:r>
+            <a:endParaRPr lang="en-US" sz="2000">
+              <a:solidFill>
+                <a:schemeClr val="bg1"/>
+              </a:solidFill>
+            </a:endParaRPr>
+          </a:p>
+          <a:p>
+            <a:pPr marL="0" indent="0">
+              <a:lnSpc>
+                <a:spcPct val="110000"/>
+              </a:lnSpc>
+              <a:spcBef>
+                <a:spcPts val="2500"/>
+              </a:spcBef>
+              <a:spcAft>
+                <a:spcPts val="0"/>
+              </a:spcAft>
+              <a:buNone/>
+            </a:pPr>
+            <a:r>
+              <a:rPr lang="en-US" sz="2000">
+                <a:solidFill>
+                  <a:schemeClr val="bg1"/>
+                </a:solidFill>
+              </a:rPr>
+              <a:t>Use the prefix `</a:t>
+            </a:r>
+            <a:r>
+              <a:rPr lang="en-US" sz="2000" i="1">
+                <a:solidFill>
+                  <a:schemeClr val="bg1"/>
+                </a:solidFill>
+              </a:rPr>
+              <a:t>optional:`</a:t>
+            </a:r>
+            <a:r>
+              <a:rPr lang="en-US" sz="2000">
+                <a:solidFill>
+                  <a:schemeClr val="bg1"/>
+                </a:solidFill>
+              </a:rPr>
+              <a:t> if the locations are optional and you do not mind if they do not exist</a:t>
+            </a:r>
+            <a:endParaRPr lang="en-US" sz="2000">
+              <a:solidFill>
+                <a:schemeClr val="bg1"/>
+              </a:solidFill>
+            </a:endParaRPr>
+          </a:p>
+          <a:p>
+            <a:pPr marL="0" indent="0">
+              <a:lnSpc>
+                <a:spcPct val="110000"/>
+              </a:lnSpc>
+              <a:spcBef>
+                <a:spcPts val="2500"/>
+              </a:spcBef>
+              <a:spcAft>
+                <a:spcPts val="0"/>
+              </a:spcAft>
+              <a:buNone/>
+            </a:pPr>
+            <a:r>
+              <a:rPr lang="en-US" sz="2000">
+                <a:solidFill>
+                  <a:schemeClr val="bg1"/>
+                </a:solidFill>
+              </a:rPr>
+              <a:t>Both directory and file location values are also expanded to check for profile-specific files</a:t>
             </a:r>
             <a:endParaRPr lang="en-US" sz="2000">
               <a:solidFill>
@@ -4033,7 +4004,7 @@
         <p:spPr/>
         <p:txBody>
           <a:bodyPr>
-            <a:normAutofit/>
+            <a:normAutofit fontScale="90000"/>
           </a:bodyPr>
           <a:p>
             <a:r>
@@ -4041,15 +4012,28 @@
                 <a:solidFill>
                   <a:srgbClr val="80EB6E"/>
                 </a:solidFill>
-                <a:sym typeface="+mn-ea"/>
-              </a:rPr>
-              <a:t>Configuration Tree</a:t>
+              </a:rPr>
+              <a:t>Placeholders</a:t>
+            </a:r>
+            <a:br>
+              <a:rPr lang="en-US">
+                <a:solidFill>
+                  <a:srgbClr val="80EB6E"/>
+                </a:solidFill>
+              </a:rPr>
+            </a:br>
+            <a:r>
+              <a:rPr lang="en-US">
+                <a:solidFill>
+                  <a:srgbClr val="80EB6E"/>
+                </a:solidFill>
+              </a:rPr>
+              <a:t>Relaxed Binding</a:t>
             </a:r>
             <a:endParaRPr lang="en-US">
               <a:solidFill>
                 <a:srgbClr val="80EB6E"/>
               </a:solidFill>
-              <a:sym typeface="+mn-ea"/>
             </a:endParaRPr>
           </a:p>
         </p:txBody>
@@ -4061,13 +4045,13 @@
             <a:spLocks noGrp="1"/>
           </p:cNvSpPr>
           <p:nvPr>
-            <p:ph idx="1"/>
+            <p:ph sz="half" idx="1"/>
           </p:nvPr>
         </p:nvSpPr>
         <p:spPr>
           <a:xfrm>
             <a:off x="838200" y="1691005"/>
-            <a:ext cx="10515600" cy="4589780"/>
+            <a:ext cx="10515600" cy="4351655"/>
           </a:xfrm>
         </p:spPr>
         <p:txBody>
@@ -4093,12 +4077,31 @@
                   <a:schemeClr val="bg1"/>
                 </a:solidFill>
               </a:rPr>
-              <a:t>When running applications on a cloud platform (such as Kubernetes) it’s often needed to read config values that the platform supplies</a:t>
+              <a:t>The values in application.properties and application.yaml are filtered through the existing Environment when they are used. </a:t>
+            </a:r>
+            <a:r>
+              <a:rPr lang="en-US" sz="2000">
+                <a:solidFill>
+                  <a:schemeClr val="bg1"/>
+                </a:solidFill>
+                <a:sym typeface="+mn-ea"/>
+              </a:rPr>
+              <a:t>Previously defined values could be used</a:t>
+            </a:r>
+            <a:r>
+              <a:rPr lang="en-US" sz="2000">
+                <a:solidFill>
+                  <a:schemeClr val="bg1"/>
+                </a:solidFill>
+                <a:sym typeface="+mn-ea"/>
+              </a:rPr>
+              <a:t> to refer back to</a:t>
             </a:r>
             <a:endParaRPr lang="en-US" sz="2000">
               <a:solidFill>
                 <a:schemeClr val="bg1"/>
               </a:solidFill>
+              <a:sym typeface="+mn-ea"/>
             </a:endParaRPr>
           </a:p>
           <a:p>
@@ -4114,18 +4117,11 @@
               </a:spcAft>
               <a:buNone/>
             </a:pPr>
-            <a:r>
-              <a:rPr lang="en-US" sz="2000">
-                <a:solidFill>
-                  <a:schemeClr val="bg1"/>
-                </a:solidFill>
-              </a:rPr>
-              <a:t>As an alternative to environment variables, many cloud platforms now allow you to map configuration into mounted data volumes</a:t>
-            </a:r>
             <a:endParaRPr lang="en-US" sz="2000">
               <a:solidFill>
                 <a:schemeClr val="bg1"/>
               </a:solidFill>
+              <a:sym typeface="+mn-ea"/>
             </a:endParaRPr>
           </a:p>
           <a:p>
@@ -4147,7 +4143,7 @@
                   <a:schemeClr val="bg1"/>
                 </a:solidFill>
               </a:rPr>
-              <a:t>There are two common volume mount patterns that can be used:</a:t>
+              <a:t>Relax binding:</a:t>
             </a:r>
             <a:endParaRPr lang="en-US" sz="2000">
               <a:solidFill>
@@ -4156,131 +4152,76 @@
             </a:endParaRPr>
           </a:p>
           <a:p>
-            <a:pPr algn="l">
-              <a:lnSpc>
-                <a:spcPct val="90000"/>
+            <a:pPr marL="0" indent="0">
+              <a:lnSpc>
+                <a:spcPct val="110000"/>
               </a:lnSpc>
               <a:spcBef>
-                <a:spcPts val="1000"/>
+                <a:spcPts val="2500"/>
               </a:spcBef>
               <a:spcAft>
                 <a:spcPts val="0"/>
               </a:spcAft>
-              <a:buClrTx/>
-              <a:buSzTx/>
-              <a:buAutoNum type="arabicPeriod"/>
-            </a:pPr>
-            <a:r>
-              <a:rPr lang="en-US" sz="2000">
-                <a:solidFill>
-                  <a:schemeClr val="bg1"/>
-                </a:solidFill>
-              </a:rPr>
-              <a:t>A single file contains a complete set of properties </a:t>
-            </a:r>
+              <a:buNone/>
+            </a:pPr>
             <a:endParaRPr lang="en-US" sz="2000">
               <a:solidFill>
                 <a:schemeClr val="bg1"/>
               </a:solidFill>
             </a:endParaRPr>
           </a:p>
-          <a:p>
-            <a:pPr algn="l">
-              <a:lnSpc>
-                <a:spcPct val="90000"/>
-              </a:lnSpc>
-              <a:spcBef>
-                <a:spcPts val="1000"/>
-              </a:spcBef>
-              <a:spcAft>
-                <a:spcPts val="0"/>
-              </a:spcAft>
-              <a:buClrTx/>
-              <a:buSzTx/>
-              <a:buAutoNum type="arabicPeriod"/>
-            </a:pPr>
-            <a:r>
-              <a:rPr lang="en-US" sz="2000">
-                <a:solidFill>
-                  <a:schemeClr val="bg1"/>
-                </a:solidFill>
-              </a:rPr>
-              <a:t>Multiple files are written to a directory tree, with the filename becoming the ‘key’ and the contents becoming the ‘value’</a:t>
-            </a:r>
-            <a:endParaRPr lang="en-US" sz="2000">
-              <a:solidFill>
-                <a:schemeClr val="bg1"/>
-              </a:solidFill>
-            </a:endParaRPr>
-          </a:p>
-          <a:p>
-            <a:pPr marL="0" indent="0" algn="l">
-              <a:lnSpc>
-                <a:spcPct val="90000"/>
-              </a:lnSpc>
-              <a:spcBef>
-                <a:spcPts val="1000"/>
-              </a:spcBef>
-              <a:spcAft>
-                <a:spcPts val="0"/>
-              </a:spcAft>
-              <a:buClrTx/>
-              <a:buSzTx/>
-              <a:buNone/>
-            </a:pPr>
-            <a:r>
-              <a:rPr lang="en-US" sz="2000">
-                <a:solidFill>
-                  <a:schemeClr val="bg1"/>
-                </a:solidFill>
-              </a:rPr>
-              <a:t>For the second case, you need to use the `</a:t>
-            </a:r>
-            <a:r>
-              <a:rPr lang="en-US" sz="2000" i="1">
-                <a:solidFill>
-                  <a:schemeClr val="bg1"/>
-                </a:solidFill>
-              </a:rPr>
-              <a:t>configtree:`</a:t>
-            </a:r>
-            <a:r>
-              <a:rPr lang="en-US" sz="2000">
-                <a:solidFill>
-                  <a:schemeClr val="bg1"/>
-                </a:solidFill>
-              </a:rPr>
-              <a:t> prefix so that Spring Boot knows it needs to expose all the files as properties</a:t>
-            </a:r>
-            <a:endParaRPr lang="en-US" sz="2000">
-              <a:solidFill>
-                <a:schemeClr val="bg1"/>
-              </a:solidFill>
-            </a:endParaRPr>
-          </a:p>
-          <a:p>
-            <a:pPr marL="0" indent="0" algn="l">
-              <a:lnSpc>
-                <a:spcPct val="90000"/>
-              </a:lnSpc>
-              <a:spcBef>
-                <a:spcPts val="1000"/>
-              </a:spcBef>
-              <a:spcAft>
-                <a:spcPts val="0"/>
-              </a:spcAft>
-              <a:buClrTx/>
-              <a:buSzTx/>
-              <a:buNone/>
-            </a:pPr>
-            <a:endParaRPr lang="en-US" sz="2000">
-              <a:solidFill>
-                <a:schemeClr val="bg1"/>
-              </a:solidFill>
-            </a:endParaRPr>
-          </a:p>
-        </p:txBody>
-      </p:sp>
+        </p:txBody>
+      </p:sp>
+      <p:pic>
+        <p:nvPicPr>
+          <p:cNvPr id="4" name="Content Placeholder 3"/>
+          <p:cNvPicPr>
+            <a:picLocks noChangeAspect="1"/>
+          </p:cNvPicPr>
+          <p:nvPr>
+            <p:ph sz="half" idx="2"/>
+          </p:nvPr>
+        </p:nvPicPr>
+        <p:blipFill>
+          <a:blip r:embed="rId1"/>
+          <a:stretch>
+            <a:fillRect/>
+          </a:stretch>
+        </p:blipFill>
+        <p:spPr>
+          <a:xfrm>
+            <a:off x="838200" y="3808730"/>
+            <a:ext cx="10547985" cy="2522220"/>
+          </a:xfrm>
+          <a:prstGeom prst="rect">
+            <a:avLst/>
+          </a:prstGeom>
+        </p:spPr>
+      </p:pic>
+      <p:pic>
+        <p:nvPicPr>
+          <p:cNvPr id="6" name="Picture 5"/>
+          <p:cNvPicPr>
+            <a:picLocks noChangeAspect="1"/>
+          </p:cNvPicPr>
+          <p:nvPr/>
+        </p:nvPicPr>
+        <p:blipFill>
+          <a:blip r:embed="rId2"/>
+          <a:stretch>
+            <a:fillRect/>
+          </a:stretch>
+        </p:blipFill>
+        <p:spPr>
+          <a:xfrm>
+            <a:off x="805815" y="2653030"/>
+            <a:ext cx="10547350" cy="605790"/>
+          </a:xfrm>
+          <a:prstGeom prst="rect">
+            <a:avLst/>
+          </a:prstGeom>
+        </p:spPr>
+      </p:pic>
     </p:spTree>
   </p:cSld>
   <p:clrMapOvr>
@@ -4332,86 +4273,57 @@
                 <a:solidFill>
                   <a:srgbClr val="80EB6E"/>
                 </a:solidFill>
-                <a:sym typeface="+mn-ea"/>
-              </a:rPr>
-              <a:t>Spring Cloud Config Server</a:t>
+              </a:rPr>
+              <a:t>Importing Additional Data</a:t>
             </a:r>
             <a:endParaRPr lang="en-US">
               <a:solidFill>
                 <a:srgbClr val="80EB6E"/>
               </a:solidFill>
-              <a:sym typeface="+mn-ea"/>
-            </a:endParaRPr>
-          </a:p>
-        </p:txBody>
-      </p:sp>
-      <p:pic>
-        <p:nvPicPr>
-          <p:cNvPr id="100" name="Content Placeholder 99"/>
-          <p:cNvPicPr/>
+            </a:endParaRPr>
+          </a:p>
+        </p:txBody>
+      </p:sp>
+      <p:sp>
+        <p:nvSpPr>
+          <p:cNvPr id="3" name="Content Placeholder 2"/>
+          <p:cNvSpPr>
+            <a:spLocks noGrp="1"/>
+          </p:cNvSpPr>
           <p:nvPr>
             <p:ph idx="1"/>
           </p:nvPr>
-        </p:nvPicPr>
-        <p:blipFill>
-          <a:blip r:embed="rId1"/>
-          <a:stretch>
-            <a:fillRect/>
-          </a:stretch>
-        </p:blipFill>
+        </p:nvSpPr>
         <p:spPr>
           <a:xfrm>
-            <a:off x="4566285" y="1691005"/>
-            <a:ext cx="6787515" cy="3719830"/>
+            <a:off x="838200" y="1691005"/>
+            <a:ext cx="10515600" cy="4589780"/>
           </a:xfrm>
-          <a:prstGeom prst="rect">
-            <a:avLst/>
-          </a:prstGeom>
-          <a:noFill/>
-          <a:ln w="9525">
-            <a:noFill/>
-          </a:ln>
         </p:spPr>
-      </p:pic>
-      <p:sp>
-        <p:nvSpPr>
-          <p:cNvPr id="4" name="Text Box 3"/>
-          <p:cNvSpPr txBox="1"/>
-          <p:nvPr/>
-        </p:nvSpPr>
-        <p:spPr>
-          <a:xfrm>
-            <a:off x="837565" y="1691005"/>
-            <a:ext cx="3728085" cy="3330575"/>
-          </a:xfrm>
-          <a:prstGeom prst="rect">
-            <a:avLst/>
-          </a:prstGeom>
-          <a:noFill/>
-        </p:spPr>
-        <p:txBody>
-          <a:bodyPr wrap="square" rtlCol="0">
-            <a:spAutoFit/>
+        <p:txBody>
+          <a:bodyPr>
+            <a:noAutofit/>
           </a:bodyPr>
           <a:p>
-            <a:pPr>
+            <a:pPr marL="0" indent="0">
               <a:lnSpc>
                 <a:spcPct val="110000"/>
               </a:lnSpc>
               <a:spcBef>
-                <a:spcPts val="1500"/>
+                <a:spcPts val="2500"/>
               </a:spcBef>
               <a:spcAft>
                 <a:spcPts val="0"/>
               </a:spcAft>
-            </a:pPr>
-            <a:r>
-              <a:rPr lang="en-US" sz="2000">
-                <a:solidFill>
-                  <a:schemeClr val="bg1"/>
-                </a:solidFill>
-              </a:rPr>
-              <a:t>Spring Cloud Config provides server-side and client-side support for externalized configuration in a distributed system</a:t>
+              <a:buNone/>
+            </a:pPr>
+            <a:r>
+              <a:rPr lang="en-US" sz="2000">
+                <a:solidFill>
+                  <a:schemeClr val="bg1"/>
+                </a:solidFill>
+              </a:rPr>
+              <a:t>Application properties may import further config data from other locations using the spring.config.import property. Imports are processed as they are discovered, and are treated as additional documents inserted immediately below the one that declares the import</a:t>
             </a:r>
             <a:endParaRPr lang="en-US" sz="2000">
               <a:solidFill>
@@ -4420,24 +4332,161 @@
             </a:endParaRPr>
           </a:p>
           <a:p>
-            <a:pPr>
+            <a:pPr marL="0" indent="0">
               <a:lnSpc>
                 <a:spcPct val="110000"/>
               </a:lnSpc>
               <a:spcBef>
-                <a:spcPts val="1500"/>
+                <a:spcPts val="2500"/>
               </a:spcBef>
               <a:spcAft>
                 <a:spcPts val="0"/>
               </a:spcAft>
-            </a:pPr>
-            <a:r>
-              <a:rPr lang="en-US" sz="2000">
-                <a:solidFill>
-                  <a:schemeClr val="bg1"/>
-                </a:solidFill>
-              </a:rPr>
-              <a:t>With the Config Server, you have a central place to manage external properties for applications across all environments</a:t>
+              <a:buNone/>
+            </a:pPr>
+            <a:r>
+              <a:rPr lang="en-US" sz="2000">
+                <a:solidFill>
+                  <a:schemeClr val="bg1"/>
+                </a:solidFill>
+              </a:rPr>
+              <a:t>Several locations can be specified under a single spring.config.import key. Locations will be processed in the order that they are defined, with later imports taking precedence</a:t>
+            </a:r>
+            <a:endParaRPr lang="en-US" sz="2000">
+              <a:solidFill>
+                <a:schemeClr val="bg1"/>
+              </a:solidFill>
+            </a:endParaRPr>
+          </a:p>
+          <a:p>
+            <a:pPr marL="0" indent="0">
+              <a:lnSpc>
+                <a:spcPct val="110000"/>
+              </a:lnSpc>
+              <a:spcBef>
+                <a:spcPts val="2500"/>
+              </a:spcBef>
+              <a:spcAft>
+                <a:spcPts val="0"/>
+              </a:spcAft>
+              <a:buNone/>
+            </a:pPr>
+            <a:r>
+              <a:rPr lang="en-US" sz="2000">
+                <a:solidFill>
+                  <a:schemeClr val="bg1"/>
+                </a:solidFill>
+              </a:rPr>
+              <a:t>When appropriate, </a:t>
+            </a:r>
+            <a:r>
+              <a:rPr lang="en-US" sz="2000" i="1">
+                <a:solidFill>
+                  <a:schemeClr val="bg1"/>
+                </a:solidFill>
+              </a:rPr>
+              <a:t>profile-specific</a:t>
+            </a:r>
+            <a:r>
+              <a:rPr lang="en-US" sz="2000">
+                <a:solidFill>
+                  <a:schemeClr val="bg1"/>
+                </a:solidFill>
+              </a:rPr>
+              <a:t> variants are also considered for import</a:t>
+            </a:r>
+            <a:r>
+              <a:rPr lang="ru-RU" altLang="en-US" sz="2000">
+                <a:solidFill>
+                  <a:schemeClr val="bg1"/>
+                </a:solidFill>
+              </a:rPr>
+              <a:t>, </a:t>
+            </a:r>
+            <a:r>
+              <a:rPr lang="en-US" sz="2000">
+                <a:solidFill>
+                  <a:schemeClr val="bg1"/>
+                </a:solidFill>
+              </a:rPr>
+              <a:t>would import both `</a:t>
+            </a:r>
+            <a:r>
+              <a:rPr lang="en-US" sz="2000" i="1">
+                <a:solidFill>
+                  <a:schemeClr val="bg1"/>
+                </a:solidFill>
+                <a:sym typeface="+mn-ea"/>
+              </a:rPr>
+              <a:t>application</a:t>
+            </a:r>
+            <a:r>
+              <a:rPr lang="en-US" sz="2000" i="1">
+                <a:solidFill>
+                  <a:schemeClr val="bg1"/>
+                </a:solidFill>
+              </a:rPr>
+              <a:t>.properties`</a:t>
+            </a:r>
+            <a:r>
+              <a:rPr lang="en-US" sz="2000">
+                <a:solidFill>
+                  <a:schemeClr val="bg1"/>
+                </a:solidFill>
+              </a:rPr>
+              <a:t> as well as any `</a:t>
+            </a:r>
+            <a:r>
+              <a:rPr lang="en-US" sz="2000" i="1">
+                <a:solidFill>
+                  <a:schemeClr val="bg1"/>
+                </a:solidFill>
+                <a:sym typeface="+mn-ea"/>
+              </a:rPr>
+              <a:t>application</a:t>
+            </a:r>
+            <a:r>
+              <a:rPr lang="en-US" sz="2000" i="1">
+                <a:solidFill>
+                  <a:schemeClr val="bg1"/>
+                </a:solidFill>
+              </a:rPr>
+              <a:t>-&lt;profile&gt;.properties`</a:t>
+            </a:r>
+            <a:r>
+              <a:rPr lang="en-US" sz="2000">
+                <a:solidFill>
+                  <a:schemeClr val="bg1"/>
+                </a:solidFill>
+              </a:rPr>
+              <a:t> variants</a:t>
+            </a:r>
+            <a:endParaRPr lang="en-US" sz="2000">
+              <a:solidFill>
+                <a:schemeClr val="bg1"/>
+              </a:solidFill>
+            </a:endParaRPr>
+          </a:p>
+          <a:p>
+            <a:pPr marL="0" indent="0">
+              <a:lnSpc>
+                <a:spcPct val="110000"/>
+              </a:lnSpc>
+              <a:spcBef>
+                <a:spcPts val="2500"/>
+              </a:spcBef>
+              <a:spcAft>
+                <a:spcPts val="0"/>
+              </a:spcAft>
+              <a:buNone/>
+            </a:pPr>
+            <a:r>
+              <a:rPr lang="en-US" sz="2000">
+                <a:solidFill>
+                  <a:schemeClr val="bg1"/>
+                </a:solidFill>
+              </a:rPr>
+              <a:t>Spring Boot includes pluggable API that allows various different location addresses to be supported. By default supported: Java Properties, YAML and `configuration trees`</a:t>
             </a:r>
             <a:endParaRPr lang="en-US" sz="2000">
               <a:solidFill>
@@ -4498,13 +4547,15 @@
                 <a:solidFill>
                   <a:srgbClr val="80EB6E"/>
                 </a:solidFill>
-              </a:rPr>
-              <a:t>Bootify Profiles</a:t>
+                <a:sym typeface="+mn-ea"/>
+              </a:rPr>
+              <a:t>Configuration Tree</a:t>
             </a:r>
             <a:endParaRPr lang="en-US">
               <a:solidFill>
                 <a:srgbClr val="80EB6E"/>
               </a:solidFill>
+              <a:sym typeface="+mn-ea"/>
             </a:endParaRPr>
           </a:p>
         </p:txBody>
@@ -4543,20 +4594,12 @@
               <a:buNone/>
             </a:pPr>
             <a:r>
-              <a:rPr lang="en-US" sz="2000" i="1">
-                <a:solidFill>
-                  <a:schemeClr val="bg1"/>
-                </a:solidFill>
-              </a:rPr>
-              <a:t>spring.profiles.active</a:t>
-            </a:r>
-            <a:r>
-              <a:rPr lang="en-US" sz="2000">
-                <a:solidFill>
-                  <a:schemeClr val="bg1"/>
-                </a:solidFill>
-              </a:rPr>
-              <a:t> - used to specify which profiles are active</a:t>
+              <a:rPr lang="en-US" sz="2000">
+                <a:solidFill>
+                  <a:schemeClr val="bg1"/>
+                </a:solidFill>
+              </a:rPr>
+              <a:t>When running applications on a cloud platform (such as Kubernetes) it’s often needed to read config values that the platform supplies</a:t>
             </a:r>
             <a:endParaRPr lang="en-US" sz="2000">
               <a:solidFill>
@@ -4578,35 +4621,17 @@
               <a:buNone/>
             </a:pPr>
             <a:r>
-              <a:rPr lang="en-US" sz="2000" i="1">
-                <a:solidFill>
-                  <a:schemeClr val="bg1"/>
-                </a:solidFill>
-              </a:rPr>
-              <a:t>spring.profiles.default</a:t>
-            </a:r>
-            <a:r>
-              <a:rPr lang="en-US" sz="2000">
-                <a:solidFill>
-                  <a:schemeClr val="bg1"/>
-                </a:solidFill>
-              </a:rPr>
-              <a:t> - used </a:t>
-            </a:r>
-            <a:r>
-              <a:rPr lang="en-US" sz="2000">
-                <a:solidFill>
-                  <a:schemeClr val="bg1"/>
-                </a:solidFill>
-                <a:sym typeface="+mn-ea"/>
-              </a:rPr>
-              <a:t>specify which profiles to use by default</a:t>
+              <a:rPr lang="en-US" sz="2000">
+                <a:solidFill>
+                  <a:schemeClr val="bg1"/>
+                </a:solidFill>
+              </a:rPr>
+              <a:t>As an alternative to environment variables, many cloud platforms now allow you to map configuration into mounted data volumes</a:t>
             </a:r>
             <a:endParaRPr lang="en-US" sz="2000">
               <a:solidFill>
                 <a:schemeClr val="bg1"/>
               </a:solidFill>
-              <a:sym typeface="+mn-ea"/>
             </a:endParaRPr>
           </a:p>
           <a:p>
@@ -4623,68 +4648,41 @@
               <a:buNone/>
             </a:pPr>
             <a:r>
-              <a:rPr lang="en-US" sz="2000" i="1">
-                <a:solidFill>
-                  <a:schemeClr val="bg1"/>
-                </a:solidFill>
-                <a:sym typeface="+mn-ea"/>
-              </a:rPr>
-              <a:t>spring.profiles.include</a:t>
-            </a:r>
-            <a:r>
-              <a:rPr lang="en-US" sz="2000">
-                <a:solidFill>
-                  <a:schemeClr val="bg1"/>
-                </a:solidFill>
-                <a:sym typeface="+mn-ea"/>
-              </a:rPr>
-              <a:t> - used add to the active profiles rather than replace them</a:t>
+              <a:rPr lang="en-US" sz="2000">
+                <a:solidFill>
+                  <a:schemeClr val="bg1"/>
+                </a:solidFill>
+              </a:rPr>
+              <a:t>There are two common volume mount patterns that can be used:</a:t>
             </a:r>
             <a:endParaRPr lang="en-US" sz="2000">
               <a:solidFill>
                 <a:schemeClr val="bg1"/>
               </a:solidFill>
-              <a:sym typeface="+mn-ea"/>
-            </a:endParaRPr>
-          </a:p>
-          <a:p>
-            <a:pPr marL="0" indent="0">
-              <a:lnSpc>
-                <a:spcPct val="110000"/>
+            </a:endParaRPr>
+          </a:p>
+          <a:p>
+            <a:pPr algn="l">
+              <a:lnSpc>
+                <a:spcPct val="90000"/>
               </a:lnSpc>
               <a:spcBef>
-                <a:spcPts val="2500"/>
+                <a:spcPts val="1000"/>
               </a:spcBef>
               <a:spcAft>
                 <a:spcPts val="0"/>
               </a:spcAft>
-              <a:buNone/>
-            </a:pPr>
-            <a:r>
-              <a:rPr lang="en-US" sz="2000" i="1">
-                <a:solidFill>
-                  <a:schemeClr val="bg1"/>
-                </a:solidFill>
-                <a:sym typeface="+mn-ea"/>
-              </a:rPr>
-              <a:t>NB:</a:t>
-            </a:r>
-            <a:r>
-              <a:rPr lang="en-US" sz="2000">
-                <a:solidFill>
-                  <a:schemeClr val="bg1"/>
-                </a:solidFill>
-                <a:sym typeface="+mn-ea"/>
-              </a:rPr>
-              <a:t> </a:t>
-            </a:r>
-            <a:r>
-              <a:rPr lang="en-US" sz="2000">
-                <a:solidFill>
-                  <a:schemeClr val="bg1"/>
-                </a:solidFill>
-              </a:rPr>
-              <a:t>can only be used in non-profile specific documents</a:t>
+              <a:buClrTx/>
+              <a:buSzTx/>
+              <a:buAutoNum type="arabicPeriod"/>
+            </a:pPr>
+            <a:r>
+              <a:rPr lang="en-US" sz="2000">
+                <a:solidFill>
+                  <a:schemeClr val="bg1"/>
+                </a:solidFill>
+              </a:rPr>
+              <a:t>A single file contains a complete set of properties </a:t>
             </a:r>
             <a:endParaRPr lang="en-US" sz="2000">
               <a:solidFill>
@@ -4693,40 +4691,27 @@
             </a:endParaRPr>
           </a:p>
           <a:p>
-            <a:pPr marL="0" indent="0">
-              <a:lnSpc>
-                <a:spcPct val="110000"/>
+            <a:pPr algn="l">
+              <a:lnSpc>
+                <a:spcPct val="90000"/>
               </a:lnSpc>
               <a:spcBef>
-                <a:spcPts val="2500"/>
+                <a:spcPts val="1000"/>
               </a:spcBef>
               <a:spcAft>
                 <a:spcPts val="0"/>
               </a:spcAft>
-              <a:buNone/>
-            </a:pPr>
-            <a:r>
-              <a:rPr lang="en-US" sz="2000">
-                <a:solidFill>
-                  <a:schemeClr val="bg1"/>
-                </a:solidFill>
-              </a:rPr>
-              <a:t>Profile Groups:</a:t>
-            </a:r>
-            <a:br>
-              <a:rPr lang="en-US" sz="2000">
-                <a:solidFill>
-                  <a:schemeClr val="bg1"/>
-                </a:solidFill>
-              </a:rPr>
-            </a:br>
-            <a:r>
-              <a:rPr lang="en-US" sz="2000">
-                <a:solidFill>
-                  <a:schemeClr val="bg1"/>
-                </a:solidFill>
-              </a:rPr>
-              <a:t>A profile group allows you to define a logical name for a related group of profiles</a:t>
+              <a:buClrTx/>
+              <a:buSzTx/>
+              <a:buAutoNum type="arabicPeriod"/>
+            </a:pPr>
+            <a:r>
+              <a:rPr lang="en-US" sz="2000">
+                <a:solidFill>
+                  <a:schemeClr val="bg1"/>
+                </a:solidFill>
+              </a:rPr>
+              <a:t>Multiple files are written to a directory tree, with the filename becoming the ‘key’ and the contents becoming the ‘value’</a:t>
             </a:r>
             <a:endParaRPr lang="en-US" sz="2000">
               <a:solidFill>
@@ -4735,41 +4720,65 @@
             </a:endParaRPr>
           </a:p>
           <a:p>
-            <a:pPr marL="0" indent="0">
-              <a:lnSpc>
-                <a:spcPct val="110000"/>
+            <a:pPr marL="0" indent="0" algn="l">
+              <a:lnSpc>
+                <a:spcPct val="90000"/>
               </a:lnSpc>
               <a:spcBef>
-                <a:spcPts val="2500"/>
+                <a:spcPts val="1000"/>
               </a:spcBef>
               <a:spcAft>
                 <a:spcPts val="0"/>
               </a:spcAft>
-              <a:buNone/>
-            </a:pPr>
-            <a:r>
-              <a:rPr lang="en-US" sz="2000">
-                <a:solidFill>
-                  <a:schemeClr val="bg1"/>
-                </a:solidFill>
-              </a:rPr>
-              <a:t>spring.profiles.group.production[0]=proddb</a:t>
-            </a:r>
-            <a:br>
-              <a:rPr lang="en-US" sz="2000">
-                <a:solidFill>
-                  <a:schemeClr val="bg1"/>
-                </a:solidFill>
-              </a:rPr>
-            </a:br>
-            <a:r>
-              <a:rPr lang="en-US" sz="2000">
-                <a:solidFill>
-                  <a:schemeClr val="bg1"/>
-                </a:solidFill>
-              </a:rPr>
-              <a:t>spring.profiles.group.production[1]=prodmq</a:t>
-            </a:r>
+              <a:buClrTx/>
+              <a:buSzTx/>
+              <a:buNone/>
+            </a:pPr>
+            <a:r>
+              <a:rPr lang="en-US" sz="2000">
+                <a:solidFill>
+                  <a:schemeClr val="bg1"/>
+                </a:solidFill>
+              </a:rPr>
+              <a:t>For the second case, you need to use the `</a:t>
+            </a:r>
+            <a:r>
+              <a:rPr lang="en-US" sz="2000" i="1">
+                <a:solidFill>
+                  <a:schemeClr val="bg1"/>
+                </a:solidFill>
+              </a:rPr>
+              <a:t>configtree:`</a:t>
+            </a:r>
+            <a:r>
+              <a:rPr lang="en-US" sz="2000">
+                <a:solidFill>
+                  <a:schemeClr val="bg1"/>
+                </a:solidFill>
+              </a:rPr>
+              <a:t> prefix so that Spring Boot knows it needs to expose all the files as properties</a:t>
+            </a:r>
+            <a:endParaRPr lang="en-US" sz="2000">
+              <a:solidFill>
+                <a:schemeClr val="bg1"/>
+              </a:solidFill>
+            </a:endParaRPr>
+          </a:p>
+          <a:p>
+            <a:pPr marL="0" indent="0" algn="l">
+              <a:lnSpc>
+                <a:spcPct val="90000"/>
+              </a:lnSpc>
+              <a:spcBef>
+                <a:spcPts val="1000"/>
+              </a:spcBef>
+              <a:spcAft>
+                <a:spcPts val="0"/>
+              </a:spcAft>
+              <a:buClrTx/>
+              <a:buSzTx/>
+              <a:buNone/>
+            </a:pPr>
             <a:endParaRPr lang="en-US" sz="2000">
               <a:solidFill>
                 <a:schemeClr val="bg1"/>
@@ -4829,39 +4838,69 @@
                 <a:solidFill>
                   <a:srgbClr val="80EB6E"/>
                 </a:solidFill>
-              </a:rPr>
-              <a:t>Summary</a:t>
+                <a:sym typeface="+mn-ea"/>
+              </a:rPr>
+              <a:t>Spring Cloud Config Server</a:t>
             </a:r>
             <a:endParaRPr lang="en-US">
               <a:solidFill>
                 <a:srgbClr val="80EB6E"/>
               </a:solidFill>
-            </a:endParaRPr>
-          </a:p>
-        </p:txBody>
-      </p:sp>
-      <p:sp>
-        <p:nvSpPr>
-          <p:cNvPr id="3" name="Content Placeholder 2"/>
-          <p:cNvSpPr>
-            <a:spLocks noGrp="1"/>
-          </p:cNvSpPr>
+              <a:sym typeface="+mn-ea"/>
+            </a:endParaRPr>
+          </a:p>
+        </p:txBody>
+      </p:sp>
+      <p:pic>
+        <p:nvPicPr>
+          <p:cNvPr id="100" name="Content Placeholder 99"/>
+          <p:cNvPicPr/>
           <p:nvPr>
             <p:ph idx="1"/>
           </p:nvPr>
-        </p:nvSpPr>
+        </p:nvPicPr>
+        <p:blipFill>
+          <a:blip r:embed="rId1"/>
+          <a:stretch>
+            <a:fillRect/>
+          </a:stretch>
+        </p:blipFill>
         <p:spPr>
           <a:xfrm>
-            <a:off x="838200" y="1691005"/>
-            <a:ext cx="10515600" cy="4589780"/>
+            <a:off x="4566285" y="1691005"/>
+            <a:ext cx="6787515" cy="3719830"/>
           </a:xfrm>
+          <a:prstGeom prst="rect">
+            <a:avLst/>
+          </a:prstGeom>
+          <a:noFill/>
+          <a:ln w="9525">
+            <a:noFill/>
+          </a:ln>
         </p:spPr>
-        <p:txBody>
-          <a:bodyPr>
-            <a:noAutofit/>
+      </p:pic>
+      <p:sp>
+        <p:nvSpPr>
+          <p:cNvPr id="4" name="Text Box 3"/>
+          <p:cNvSpPr txBox="1"/>
+          <p:nvPr/>
+        </p:nvSpPr>
+        <p:spPr>
+          <a:xfrm>
+            <a:off x="837565" y="1691005"/>
+            <a:ext cx="3728085" cy="3330575"/>
+          </a:xfrm>
+          <a:prstGeom prst="rect">
+            <a:avLst/>
+          </a:prstGeom>
+          <a:noFill/>
+        </p:spPr>
+        <p:txBody>
+          <a:bodyPr wrap="square" rtlCol="0">
+            <a:spAutoFit/>
           </a:bodyPr>
           <a:p>
-            <a:pPr marL="0" indent="0">
+            <a:pPr>
               <a:lnSpc>
                 <a:spcPct val="110000"/>
               </a:lnSpc>
@@ -4871,24 +4910,14 @@
               <a:spcAft>
                 <a:spcPts val="0"/>
               </a:spcAft>
-              <a:buNone/>
-            </a:pPr>
-            <a:r>
-              <a:rPr lang="en-US" sz="2000">
-                <a:solidFill>
-                  <a:schemeClr val="bg1"/>
-                </a:solidFill>
-              </a:rPr>
-              <a:t>Configs r</a:t>
-            </a:r>
-            <a:r>
-              <a:rPr lang="en-US" sz="2000">
-                <a:solidFill>
-                  <a:schemeClr val="bg1"/>
-                </a:solidFill>
-                <a:sym typeface="+mn-ea"/>
-              </a:rPr>
-              <a:t>equires strict separation of config from code</a:t>
+            </a:pPr>
+            <a:r>
+              <a:rPr lang="en-US" sz="2000">
+                <a:solidFill>
+                  <a:schemeClr val="bg1"/>
+                </a:solidFill>
+              </a:rPr>
+              <a:t>Spring Cloud Config provides server-side and client-side support for externalized configuration in a distributed system</a:t>
             </a:r>
             <a:endParaRPr lang="en-US" sz="2000">
               <a:solidFill>
@@ -4897,7 +4926,7 @@
             </a:endParaRPr>
           </a:p>
           <a:p>
-            <a:pPr marL="0" indent="0">
+            <a:pPr>
               <a:lnSpc>
                 <a:spcPct val="110000"/>
               </a:lnSpc>
@@ -4907,179 +4936,14 @@
               <a:spcAft>
                 <a:spcPts val="0"/>
               </a:spcAft>
-              <a:buNone/>
-            </a:pPr>
-            <a:r>
-              <a:rPr lang="en-US" sz="2000">
-                <a:solidFill>
-                  <a:schemeClr val="bg1"/>
-                </a:solidFill>
-              </a:rPr>
-              <a:t>Spring uses Environment abstraction for </a:t>
-            </a:r>
-            <a:r>
-              <a:rPr lang="en-US" sz="2000">
-                <a:solidFill>
-                  <a:schemeClr val="bg1"/>
-                </a:solidFill>
-                <a:sym typeface="+mn-ea"/>
-              </a:rPr>
-              <a:t>representing the environment in which the current application is running (</a:t>
-            </a:r>
-            <a:r>
-              <a:rPr lang="en-US" sz="2000" i="1">
-                <a:solidFill>
-                  <a:schemeClr val="bg1"/>
-                </a:solidFill>
-                <a:sym typeface="+mn-ea"/>
-              </a:rPr>
-              <a:t>profiles</a:t>
-            </a:r>
-            <a:r>
-              <a:rPr lang="en-US" sz="2000">
-                <a:solidFill>
-                  <a:schemeClr val="bg1"/>
-                </a:solidFill>
-                <a:sym typeface="+mn-ea"/>
-              </a:rPr>
-              <a:t> and </a:t>
-            </a:r>
-            <a:r>
-              <a:rPr lang="en-US" sz="2000" i="1">
-                <a:solidFill>
-                  <a:schemeClr val="bg1"/>
-                </a:solidFill>
-                <a:sym typeface="+mn-ea"/>
-              </a:rPr>
-              <a:t>properties</a:t>
-            </a:r>
-            <a:r>
-              <a:rPr lang="en-US" sz="2000">
-                <a:solidFill>
-                  <a:schemeClr val="bg1"/>
-                </a:solidFill>
-                <a:sym typeface="+mn-ea"/>
-              </a:rPr>
-              <a:t>)</a:t>
-            </a:r>
-            <a:endParaRPr lang="en-US" sz="2000">
-              <a:solidFill>
-                <a:schemeClr val="bg1"/>
-              </a:solidFill>
-              <a:sym typeface="+mn-ea"/>
-            </a:endParaRPr>
-          </a:p>
-          <a:p>
-            <a:pPr marL="0" indent="0">
-              <a:lnSpc>
-                <a:spcPct val="110000"/>
-              </a:lnSpc>
-              <a:spcBef>
-                <a:spcPts val="1500"/>
-              </a:spcBef>
-              <a:spcAft>
-                <a:spcPts val="0"/>
-              </a:spcAft>
-              <a:buNone/>
-            </a:pPr>
-            <a:r>
-              <a:rPr lang="en-US" sz="2000">
-                <a:solidFill>
-                  <a:schemeClr val="bg1"/>
-                </a:solidFill>
-              </a:rPr>
-              <a:t>Spring Boot added a lot of mechanizms to externalize configuration</a:t>
-            </a:r>
-            <a:endParaRPr lang="en-US" sz="2000">
-              <a:solidFill>
-                <a:schemeClr val="bg1"/>
-              </a:solidFill>
-            </a:endParaRPr>
-          </a:p>
-          <a:p>
-            <a:pPr marL="0" indent="0">
-              <a:lnSpc>
-                <a:spcPct val="110000"/>
-              </a:lnSpc>
-              <a:spcBef>
-                <a:spcPts val="1500"/>
-              </a:spcBef>
-              <a:spcAft>
-                <a:spcPts val="0"/>
-              </a:spcAft>
-              <a:buNone/>
-            </a:pPr>
-            <a:r>
-              <a:rPr lang="en-US" sz="2000">
-                <a:solidFill>
-                  <a:schemeClr val="bg1"/>
-                </a:solidFill>
-              </a:rPr>
-              <a:t>Spring Boot uses a very particular PropertySource order that is designed to allow sensible overriding of values</a:t>
-            </a:r>
-            <a:endParaRPr lang="en-US" sz="2000">
-              <a:solidFill>
-                <a:schemeClr val="bg1"/>
-              </a:solidFill>
-            </a:endParaRPr>
-          </a:p>
-          <a:p>
-            <a:pPr marL="0" indent="0">
-              <a:lnSpc>
-                <a:spcPct val="110000"/>
-              </a:lnSpc>
-              <a:spcBef>
-                <a:spcPts val="1500"/>
-              </a:spcBef>
-              <a:spcAft>
-                <a:spcPts val="0"/>
-              </a:spcAft>
-              <a:buNone/>
-            </a:pPr>
-            <a:r>
-              <a:rPr lang="en-US" sz="2000">
-                <a:solidFill>
-                  <a:schemeClr val="bg1"/>
-                </a:solidFill>
-              </a:rPr>
-              <a:t>Any property could be overriding using environment variable, JVM property or c</a:t>
-            </a:r>
-            <a:r>
-              <a:rPr lang="en-US" sz="2000">
-                <a:solidFill>
-                  <a:schemeClr val="bg1"/>
-                </a:solidFill>
-                <a:sym typeface="+mn-ea"/>
-              </a:rPr>
-              <a:t>ommand line argument</a:t>
-            </a:r>
-            <a:endParaRPr lang="en-US" sz="2000">
-              <a:solidFill>
-                <a:schemeClr val="bg1"/>
-              </a:solidFill>
-              <a:sym typeface="+mn-ea"/>
-            </a:endParaRPr>
-          </a:p>
-          <a:p>
-            <a:pPr marL="0" indent="0">
-              <a:lnSpc>
-                <a:spcPct val="110000"/>
-              </a:lnSpc>
-              <a:spcBef>
-                <a:spcPts val="1500"/>
-              </a:spcBef>
-              <a:spcAft>
-                <a:spcPts val="0"/>
-              </a:spcAft>
-              <a:buNone/>
-            </a:pPr>
-            <a:r>
-              <a:rPr lang="en-US" sz="2000">
-                <a:solidFill>
-                  <a:schemeClr val="bg1"/>
-                </a:solidFill>
-              </a:rPr>
-              <a:t>More and more tools for externalize configs could be used usding plugable API</a:t>
+            </a:pPr>
+            <a:r>
+              <a:rPr lang="en-US" sz="2000">
+                <a:solidFill>
+                  <a:schemeClr val="bg1"/>
+                </a:solidFill>
+              </a:rPr>
+              <a:t>With the Config Server, you have a central place to manage external properties for applications across all environments</a:t>
             </a:r>
             <a:endParaRPr lang="en-US" sz="2000">
               <a:solidFill>
@@ -5141,7 +5005,7 @@
                   <a:srgbClr val="80EB6E"/>
                 </a:solidFill>
               </a:rPr>
-              <a:t>References</a:t>
+              <a:t>Bootify Profiles</a:t>
             </a:r>
             <a:endParaRPr lang="en-US">
               <a:solidFill>
@@ -5177,7 +5041,7 @@
                 <a:spcPct val="110000"/>
               </a:lnSpc>
               <a:spcBef>
-                <a:spcPts val="1500"/>
+                <a:spcPts val="2500"/>
               </a:spcBef>
               <a:spcAft>
                 <a:spcPts val="0"/>
@@ -5185,19 +5049,25 @@
               <a:buNone/>
             </a:pPr>
             <a:r>
-              <a:rPr lang="en-US" sz="2000">
-                <a:solidFill>
-                  <a:schemeClr val="bg1"/>
-                </a:solidFill>
-                <a:sym typeface="+mn-ea"/>
-              </a:rPr>
-              <a:t>https://12factor.net/</a:t>
+              <a:rPr lang="en-US" sz="2000" i="1">
+                <a:solidFill>
+                  <a:schemeClr val="bg1"/>
+                </a:solidFill>
+              </a:rPr>
+              <a:t>spring.profiles.active</a:t>
+            </a:r>
+            <a:r>
+              <a:rPr lang="en-US" sz="2000">
+                <a:solidFill>
+                  <a:schemeClr val="bg1"/>
+                </a:solidFill>
+              </a:rPr>
+              <a:t> - used to specify which profiles are active</a:t>
             </a:r>
             <a:endParaRPr lang="en-US" sz="2000">
               <a:solidFill>
                 <a:schemeClr val="bg1"/>
               </a:solidFill>
-              <a:sym typeface="+mn-ea"/>
             </a:endParaRPr>
           </a:p>
           <a:p>
@@ -5206,7 +5076,7 @@
                 <a:spcPct val="110000"/>
               </a:lnSpc>
               <a:spcBef>
-                <a:spcPts val="1500"/>
+                <a:spcPts val="2500"/>
               </a:spcBef>
               <a:spcAft>
                 <a:spcPts val="0"/>
@@ -5214,17 +5084,35 @@
               <a:buNone/>
             </a:pPr>
             <a:r>
-              <a:rPr lang="en-US" sz="2000">
-                <a:solidFill>
-                  <a:schemeClr val="bg1"/>
-                </a:solidFill>
-              </a:rPr>
-              <a:t>https://www.baeldung.com/properties-with-spring</a:t>
+              <a:rPr lang="en-US" sz="2000" i="1">
+                <a:solidFill>
+                  <a:schemeClr val="bg1"/>
+                </a:solidFill>
+              </a:rPr>
+              <a:t>spring.profiles.default</a:t>
+            </a:r>
+            <a:r>
+              <a:rPr lang="en-US" sz="2000">
+                <a:solidFill>
+                  <a:schemeClr val="bg1"/>
+                </a:solidFill>
+              </a:rPr>
+              <a:t> - used </a:t>
+            </a:r>
+            <a:r>
+              <a:rPr lang="en-US" sz="2000">
+                <a:solidFill>
+                  <a:schemeClr val="bg1"/>
+                </a:solidFill>
+                <a:sym typeface="+mn-ea"/>
+              </a:rPr>
+              <a:t>specify which profiles to use by default</a:t>
             </a:r>
             <a:endParaRPr lang="en-US" sz="2000">
               <a:solidFill>
                 <a:schemeClr val="bg1"/>
               </a:solidFill>
+              <a:sym typeface="+mn-ea"/>
             </a:endParaRPr>
           </a:p>
           <a:p>
@@ -5233,7 +5121,7 @@
                 <a:spcPct val="110000"/>
               </a:lnSpc>
               <a:spcBef>
-                <a:spcPts val="1500"/>
+                <a:spcPts val="2500"/>
               </a:spcBef>
               <a:spcAft>
                 <a:spcPts val="0"/>
@@ -5241,17 +5129,28 @@
               <a:buNone/>
             </a:pPr>
             <a:r>
-              <a:rPr lang="en-US" sz="2000">
-                <a:solidFill>
-                  <a:schemeClr val="bg1"/>
-                </a:solidFill>
-              </a:rPr>
-              <a:t>https://docs.spring.io/spring-boot/docs/current/reference/html/features.html</a:t>
+              <a:rPr lang="en-US" sz="2000" i="1">
+                <a:solidFill>
+                  <a:schemeClr val="bg1"/>
+                </a:solidFill>
+                <a:sym typeface="+mn-ea"/>
+              </a:rPr>
+              <a:t>spring.profiles.include</a:t>
+            </a:r>
+            <a:r>
+              <a:rPr lang="en-US" sz="2000">
+                <a:solidFill>
+                  <a:schemeClr val="bg1"/>
+                </a:solidFill>
+                <a:sym typeface="+mn-ea"/>
+              </a:rPr>
+              <a:t> - used add to the active profiles rather than replace them</a:t>
             </a:r>
             <a:endParaRPr lang="en-US" sz="2000">
               <a:solidFill>
                 <a:schemeClr val="bg1"/>
               </a:solidFill>
+              <a:sym typeface="+mn-ea"/>
             </a:endParaRPr>
           </a:p>
           <a:p>
@@ -5260,7 +5159,7 @@
                 <a:spcPct val="110000"/>
               </a:lnSpc>
               <a:spcBef>
-                <a:spcPts val="1500"/>
+                <a:spcPts val="2500"/>
               </a:spcBef>
               <a:spcAft>
                 <a:spcPts val="0"/>
@@ -5268,12 +5167,30 @@
               <a:buNone/>
             </a:pPr>
             <a:r>
-              <a:rPr lang="en-US" sz="2000">
-                <a:solidFill>
-                  <a:schemeClr val="bg1"/>
-                </a:solidFill>
-              </a:rPr>
-              <a:t>https://docs.spring.io/spring-boot/docs/current/reference/html/application-properties.html</a:t>
+              <a:rPr lang="en-US" sz="2000" i="1">
+                <a:solidFill>
+                  <a:schemeClr val="bg1"/>
+                </a:solidFill>
+                <a:sym typeface="+mn-ea"/>
+              </a:rPr>
+              <a:t>NB:</a:t>
+            </a:r>
+            <a:r>
+              <a:rPr lang="en-US" sz="2000">
+                <a:solidFill>
+                  <a:schemeClr val="bg1"/>
+                </a:solidFill>
+                <a:sym typeface="+mn-ea"/>
+              </a:rPr>
+              <a:t> </a:t>
+            </a:r>
+            <a:r>
+              <a:rPr lang="en-US" sz="2000">
+                <a:solidFill>
+                  <a:schemeClr val="bg1"/>
+                </a:solidFill>
+              </a:rPr>
+              <a:t>can only be used in non-profile specific documents</a:t>
             </a:r>
             <a:endParaRPr lang="en-US" sz="2000">
               <a:solidFill>
@@ -5287,7 +5204,7 @@
                 <a:spcPct val="110000"/>
               </a:lnSpc>
               <a:spcBef>
-                <a:spcPts val="1500"/>
+                <a:spcPts val="2500"/>
               </a:spcBef>
               <a:spcAft>
                 <a:spcPts val="0"/>
@@ -5300,7 +5217,22 @@
                   <a:schemeClr val="bg1"/>
                 </a:solidFill>
               </a:rPr>
-              <a:t>https://docs.spring.io/spring-cloud-config/docs/current/reference/html/</a:t>
+              <a:t>Profile Groups:</a:t>
+            </a:r>
+            <a:br>
+              <a:rPr lang="en-US" sz="2000">
+                <a:solidFill>
+                  <a:schemeClr val="bg1"/>
+                </a:solidFill>
+              </a:rPr>
+            </a:br>
+            <a:r>
+              <a:rPr lang="en-US" sz="2000">
+                <a:solidFill>
+                  <a:schemeClr val="bg1"/>
+                </a:solidFill>
+              </a:rPr>
+              <a:t>A profile group allows you to define a logical name for a related group of profiles</a:t>
             </a:r>
             <a:endParaRPr lang="en-US" sz="2000">
               <a:solidFill>
@@ -5314,7 +5246,7 @@
                 <a:spcPct val="110000"/>
               </a:lnSpc>
               <a:spcBef>
-                <a:spcPts val="1500"/>
+                <a:spcPts val="2500"/>
               </a:spcBef>
               <a:spcAft>
                 <a:spcPts val="0"/>
@@ -5327,61 +5259,22 @@
                   <a:schemeClr val="bg1"/>
                 </a:solidFill>
               </a:rPr>
-              <a:t>Cloud Native Java - Josh Long, Kenny Bastani, O'Reilly Media, ISBN ‏ : ‎ 978-1449374648</a:t>
-            </a:r>
-            <a:endParaRPr lang="en-US" sz="2000">
-              <a:solidFill>
-                <a:schemeClr val="bg1"/>
-              </a:solidFill>
-            </a:endParaRPr>
-          </a:p>
-          <a:p>
-            <a:pPr marL="0" indent="0">
-              <a:lnSpc>
-                <a:spcPct val="110000"/>
-              </a:lnSpc>
-              <a:spcBef>
-                <a:spcPts val="1500"/>
-              </a:spcBef>
-              <a:spcAft>
-                <a:spcPts val="0"/>
-              </a:spcAft>
-              <a:buNone/>
-            </a:pPr>
-            <a:r>
-              <a:rPr lang="en-US" sz="2000">
-                <a:solidFill>
-                  <a:schemeClr val="bg1"/>
-                </a:solidFill>
-              </a:rPr>
-              <a:t>Beginning Spring Boot 3 - K. Siva Prasad Reddy, Sai Upadhyayula, Apress, ISBN: 978-1-4842-8792-7</a:t>
-            </a:r>
-            <a:endParaRPr lang="en-US" sz="2000">
-              <a:solidFill>
-                <a:schemeClr val="bg1"/>
-              </a:solidFill>
-            </a:endParaRPr>
-          </a:p>
-          <a:p>
-            <a:pPr marL="0" indent="0">
-              <a:lnSpc>
-                <a:spcPct val="110000"/>
-              </a:lnSpc>
-              <a:spcBef>
-                <a:spcPts val="1500"/>
-              </a:spcBef>
-              <a:spcAft>
-                <a:spcPts val="0"/>
-              </a:spcAft>
-              <a:buNone/>
-            </a:pPr>
-            <a:r>
-              <a:rPr lang="en-US" sz="2000">
-                <a:solidFill>
-                  <a:schemeClr val="bg1"/>
-                </a:solidFill>
-              </a:rPr>
-              <a:t>Microservices with Spring Boot and Spring Cloud - Magnus Larsson, Packt Publishing, ISBN: 978-1-80107-297-7</a:t>
+              <a:t>spring.profiles.group.production[0]=proddb</a:t>
+            </a:r>
+            <a:br>
+              <a:rPr lang="en-US" sz="2000">
+                <a:solidFill>
+                  <a:schemeClr val="bg1"/>
+                </a:solidFill>
+              </a:rPr>
+            </a:br>
+            <a:r>
+              <a:rPr lang="en-US" sz="2000">
+                <a:solidFill>
+                  <a:schemeClr val="bg1"/>
+                </a:solidFill>
+              </a:rPr>
+              <a:t>spring.profiles.group.production[1]=prodmq</a:t>
             </a:r>
             <a:endParaRPr lang="en-US" sz="2000">
               <a:solidFill>
@@ -5412,6 +5305,1105 @@
 </file>
 
 <file path=ppt/slides/slide18.xml><?xml version="1.0" encoding="utf-8"?>
+<p:sld xmlns:a="http://schemas.openxmlformats.org/drawingml/2006/main" xmlns:r="http://schemas.openxmlformats.org/officeDocument/2006/relationships" xmlns:p="http://schemas.openxmlformats.org/presentationml/2006/main">
+  <p:cSld>
+    <p:spTree>
+      <p:nvGrpSpPr>
+        <p:cNvPr id="1" name=""/>
+        <p:cNvGrpSpPr/>
+        <p:nvPr/>
+      </p:nvGrpSpPr>
+      <p:grpSpPr/>
+      <p:sp>
+        <p:nvSpPr>
+          <p:cNvPr id="2" name="Title 1"/>
+          <p:cNvSpPr>
+            <a:spLocks noGrp="1"/>
+          </p:cNvSpPr>
+          <p:nvPr>
+            <p:ph type="title"/>
+          </p:nvPr>
+        </p:nvSpPr>
+        <p:spPr/>
+        <p:txBody>
+          <a:bodyPr>
+            <a:normAutofit/>
+          </a:bodyPr>
+          <a:p>
+            <a:r>
+              <a:rPr lang="en-US">
+                <a:solidFill>
+                  <a:srgbClr val="80EB6E"/>
+                </a:solidFill>
+              </a:rPr>
+              <a:t>Profile Specific Files</a:t>
+            </a:r>
+            <a:endParaRPr lang="en-US">
+              <a:solidFill>
+                <a:srgbClr val="80EB6E"/>
+              </a:solidFill>
+            </a:endParaRPr>
+          </a:p>
+        </p:txBody>
+      </p:sp>
+      <p:sp>
+        <p:nvSpPr>
+          <p:cNvPr id="3" name="Content Placeholder 2"/>
+          <p:cNvSpPr>
+            <a:spLocks noGrp="1"/>
+          </p:cNvSpPr>
+          <p:nvPr>
+            <p:ph idx="1"/>
+          </p:nvPr>
+        </p:nvSpPr>
+        <p:spPr>
+          <a:xfrm>
+            <a:off x="838200" y="1691005"/>
+            <a:ext cx="10515600" cy="4589780"/>
+          </a:xfrm>
+        </p:spPr>
+        <p:txBody>
+          <a:bodyPr>
+            <a:noAutofit/>
+          </a:bodyPr>
+          <a:p>
+            <a:pPr marL="0" indent="0">
+              <a:lnSpc>
+                <a:spcPct val="110000"/>
+              </a:lnSpc>
+              <a:spcBef>
+                <a:spcPts val="2500"/>
+              </a:spcBef>
+              <a:spcAft>
+                <a:spcPts val="0"/>
+              </a:spcAft>
+              <a:buNone/>
+            </a:pPr>
+            <a:r>
+              <a:rPr lang="en-US" sz="2000">
+                <a:solidFill>
+                  <a:schemeClr val="bg1"/>
+                </a:solidFill>
+              </a:rPr>
+              <a:t>Spring Boot will also attempt to load profile-specific files using the naming convention </a:t>
+            </a:r>
+            <a:br>
+              <a:rPr lang="en-US" sz="2000">
+                <a:solidFill>
+                  <a:schemeClr val="bg1"/>
+                </a:solidFill>
+              </a:rPr>
+            </a:br>
+            <a:r>
+              <a:rPr lang="en-US" sz="2000">
+                <a:solidFill>
+                  <a:schemeClr val="bg1"/>
+                </a:solidFill>
+              </a:rPr>
+              <a:t>`</a:t>
+            </a:r>
+            <a:r>
+              <a:rPr lang="en-US" sz="2000" i="1">
+                <a:solidFill>
+                  <a:schemeClr val="bg1"/>
+                </a:solidFill>
+              </a:rPr>
+              <a:t>application-{profile}</a:t>
+            </a:r>
+            <a:r>
+              <a:rPr lang="en-US" sz="2000">
+                <a:solidFill>
+                  <a:schemeClr val="bg1"/>
+                </a:solidFill>
+              </a:rPr>
+              <a:t>`</a:t>
+            </a:r>
+            <a:endParaRPr lang="en-US" sz="2000">
+              <a:solidFill>
+                <a:schemeClr val="bg1"/>
+              </a:solidFill>
+            </a:endParaRPr>
+          </a:p>
+          <a:p>
+            <a:pPr marL="0" indent="0">
+              <a:lnSpc>
+                <a:spcPct val="110000"/>
+              </a:lnSpc>
+              <a:spcBef>
+                <a:spcPts val="2500"/>
+              </a:spcBef>
+              <a:spcAft>
+                <a:spcPts val="0"/>
+              </a:spcAft>
+              <a:buNone/>
+            </a:pPr>
+            <a:r>
+              <a:rPr lang="en-US" sz="2000">
+                <a:solidFill>
+                  <a:schemeClr val="bg1"/>
+                </a:solidFill>
+              </a:rPr>
+              <a:t>Profile-specific properties are loaded from the same locations as standard application.properties, with profile-specific files always overriding the non-specific ones</a:t>
+            </a:r>
+            <a:endParaRPr lang="en-US" sz="2000">
+              <a:solidFill>
+                <a:schemeClr val="bg1"/>
+              </a:solidFill>
+            </a:endParaRPr>
+          </a:p>
+          <a:p>
+            <a:pPr marL="0" indent="0">
+              <a:lnSpc>
+                <a:spcPct val="110000"/>
+              </a:lnSpc>
+              <a:spcBef>
+                <a:spcPts val="2500"/>
+              </a:spcBef>
+              <a:spcAft>
+                <a:spcPts val="0"/>
+              </a:spcAft>
+              <a:buNone/>
+            </a:pPr>
+            <a:r>
+              <a:rPr lang="en-US" sz="2000">
+                <a:solidFill>
+                  <a:schemeClr val="bg1"/>
+                </a:solidFill>
+              </a:rPr>
+              <a:t>Properties files are only ever loaded once. If you have already directly imported a profile specific property files then it will not be imported a second time</a:t>
+            </a:r>
+            <a:endParaRPr lang="en-US" sz="2000">
+              <a:solidFill>
+                <a:schemeClr val="bg1"/>
+              </a:solidFill>
+            </a:endParaRPr>
+          </a:p>
+          <a:p>
+            <a:pPr marL="0" indent="0">
+              <a:lnSpc>
+                <a:spcPct val="110000"/>
+              </a:lnSpc>
+              <a:spcBef>
+                <a:spcPts val="2500"/>
+              </a:spcBef>
+              <a:spcAft>
+                <a:spcPts val="0"/>
+              </a:spcAft>
+              <a:buNone/>
+            </a:pPr>
+            <a:r>
+              <a:rPr lang="en-US" sz="2000">
+                <a:solidFill>
+                  <a:schemeClr val="bg1"/>
+                </a:solidFill>
+              </a:rPr>
+              <a:t>The Environment has a set of default profiles (by default, [default]) that are used if no active profiles are set. In other words, if no profiles are explicitly activated, then properties from application-default are considered</a:t>
+            </a:r>
+            <a:endParaRPr lang="en-US" sz="2000">
+              <a:solidFill>
+                <a:schemeClr val="bg1"/>
+              </a:solidFill>
+            </a:endParaRPr>
+          </a:p>
+        </p:txBody>
+      </p:sp>
+    </p:spTree>
+  </p:cSld>
+  <p:clrMapOvr>
+    <a:masterClrMapping/>
+  </p:clrMapOvr>
+  <mc:AlternateContent xmlns:mc="http://schemas.openxmlformats.org/markup-compatibility/2006">
+    <mc:Choice xmlns:p14="http://schemas.microsoft.com/office/powerpoint/2010/main" Requires="p14">
+      <p:transition p14:dur="300">
+        <p:fade/>
+      </p:transition>
+    </mc:Choice>
+    <mc:Fallback>
+      <p:transition>
+        <p:fade/>
+      </p:transition>
+    </mc:Fallback>
+  </mc:AlternateContent>
+</p:sld>
+</file>
+
+<file path=ppt/slides/slide19.xml><?xml version="1.0" encoding="utf-8"?>
+<p:sld xmlns:a="http://schemas.openxmlformats.org/drawingml/2006/main" xmlns:r="http://schemas.openxmlformats.org/officeDocument/2006/relationships" xmlns:p="http://schemas.openxmlformats.org/presentationml/2006/main">
+  <p:cSld>
+    <p:spTree>
+      <p:nvGrpSpPr>
+        <p:cNvPr id="1" name=""/>
+        <p:cNvGrpSpPr/>
+        <p:nvPr/>
+      </p:nvGrpSpPr>
+      <p:grpSpPr/>
+      <p:sp>
+        <p:nvSpPr>
+          <p:cNvPr id="2" name="Title 1"/>
+          <p:cNvSpPr>
+            <a:spLocks noGrp="1"/>
+          </p:cNvSpPr>
+          <p:nvPr>
+            <p:ph type="title"/>
+          </p:nvPr>
+        </p:nvSpPr>
+        <p:spPr/>
+        <p:txBody>
+          <a:bodyPr>
+            <a:normAutofit/>
+          </a:bodyPr>
+          <a:p>
+            <a:r>
+              <a:rPr lang="en-US">
+                <a:solidFill>
+                  <a:srgbClr val="80EB6E"/>
+                </a:solidFill>
+              </a:rPr>
+              <a:t>Summary</a:t>
+            </a:r>
+            <a:endParaRPr lang="en-US">
+              <a:solidFill>
+                <a:srgbClr val="80EB6E"/>
+              </a:solidFill>
+            </a:endParaRPr>
+          </a:p>
+        </p:txBody>
+      </p:sp>
+      <p:sp>
+        <p:nvSpPr>
+          <p:cNvPr id="3" name="Content Placeholder 2"/>
+          <p:cNvSpPr>
+            <a:spLocks noGrp="1"/>
+          </p:cNvSpPr>
+          <p:nvPr>
+            <p:ph idx="1"/>
+          </p:nvPr>
+        </p:nvSpPr>
+        <p:spPr>
+          <a:xfrm>
+            <a:off x="838200" y="1691005"/>
+            <a:ext cx="10515600" cy="4589780"/>
+          </a:xfrm>
+        </p:spPr>
+        <p:txBody>
+          <a:bodyPr>
+            <a:noAutofit/>
+          </a:bodyPr>
+          <a:p>
+            <a:pPr marL="0" indent="0">
+              <a:lnSpc>
+                <a:spcPct val="110000"/>
+              </a:lnSpc>
+              <a:spcBef>
+                <a:spcPts val="1500"/>
+              </a:spcBef>
+              <a:spcAft>
+                <a:spcPts val="0"/>
+              </a:spcAft>
+              <a:buNone/>
+            </a:pPr>
+            <a:r>
+              <a:rPr lang="en-US" sz="2000">
+                <a:solidFill>
+                  <a:schemeClr val="bg1"/>
+                </a:solidFill>
+              </a:rPr>
+              <a:t>Configs r</a:t>
+            </a:r>
+            <a:r>
+              <a:rPr lang="en-US" sz="2000">
+                <a:solidFill>
+                  <a:schemeClr val="bg1"/>
+                </a:solidFill>
+                <a:sym typeface="+mn-ea"/>
+              </a:rPr>
+              <a:t>equires strict separation of config from code</a:t>
+            </a:r>
+            <a:endParaRPr lang="en-US" sz="2000">
+              <a:solidFill>
+                <a:schemeClr val="bg1"/>
+              </a:solidFill>
+            </a:endParaRPr>
+          </a:p>
+          <a:p>
+            <a:pPr marL="0" indent="0">
+              <a:lnSpc>
+                <a:spcPct val="110000"/>
+              </a:lnSpc>
+              <a:spcBef>
+                <a:spcPts val="1500"/>
+              </a:spcBef>
+              <a:spcAft>
+                <a:spcPts val="0"/>
+              </a:spcAft>
+              <a:buNone/>
+            </a:pPr>
+            <a:r>
+              <a:rPr lang="en-US" sz="2000">
+                <a:solidFill>
+                  <a:schemeClr val="bg1"/>
+                </a:solidFill>
+              </a:rPr>
+              <a:t>Spring uses Environment abstraction for </a:t>
+            </a:r>
+            <a:r>
+              <a:rPr lang="en-US" sz="2000">
+                <a:solidFill>
+                  <a:schemeClr val="bg1"/>
+                </a:solidFill>
+                <a:sym typeface="+mn-ea"/>
+              </a:rPr>
+              <a:t>representing the environment in which the current application is running (</a:t>
+            </a:r>
+            <a:r>
+              <a:rPr lang="en-US" sz="2000" i="1">
+                <a:solidFill>
+                  <a:schemeClr val="bg1"/>
+                </a:solidFill>
+                <a:sym typeface="+mn-ea"/>
+              </a:rPr>
+              <a:t>profiles</a:t>
+            </a:r>
+            <a:r>
+              <a:rPr lang="en-US" sz="2000">
+                <a:solidFill>
+                  <a:schemeClr val="bg1"/>
+                </a:solidFill>
+                <a:sym typeface="+mn-ea"/>
+              </a:rPr>
+              <a:t> and </a:t>
+            </a:r>
+            <a:r>
+              <a:rPr lang="en-US" sz="2000" i="1">
+                <a:solidFill>
+                  <a:schemeClr val="bg1"/>
+                </a:solidFill>
+                <a:sym typeface="+mn-ea"/>
+              </a:rPr>
+              <a:t>properties</a:t>
+            </a:r>
+            <a:r>
+              <a:rPr lang="en-US" sz="2000">
+                <a:solidFill>
+                  <a:schemeClr val="bg1"/>
+                </a:solidFill>
+                <a:sym typeface="+mn-ea"/>
+              </a:rPr>
+              <a:t>)</a:t>
+            </a:r>
+            <a:endParaRPr lang="en-US" sz="2000">
+              <a:solidFill>
+                <a:schemeClr val="bg1"/>
+              </a:solidFill>
+              <a:sym typeface="+mn-ea"/>
+            </a:endParaRPr>
+          </a:p>
+          <a:p>
+            <a:pPr marL="0" indent="0">
+              <a:lnSpc>
+                <a:spcPct val="110000"/>
+              </a:lnSpc>
+              <a:spcBef>
+                <a:spcPts val="1500"/>
+              </a:spcBef>
+              <a:spcAft>
+                <a:spcPts val="0"/>
+              </a:spcAft>
+              <a:buNone/>
+            </a:pPr>
+            <a:r>
+              <a:rPr lang="en-US" sz="2000">
+                <a:solidFill>
+                  <a:schemeClr val="bg1"/>
+                </a:solidFill>
+              </a:rPr>
+              <a:t>Spring Boot added a lot of mechanisms to externalize configuration</a:t>
+            </a:r>
+            <a:endParaRPr lang="en-US" sz="2000">
+              <a:solidFill>
+                <a:schemeClr val="bg1"/>
+              </a:solidFill>
+            </a:endParaRPr>
+          </a:p>
+          <a:p>
+            <a:pPr marL="0" indent="0">
+              <a:lnSpc>
+                <a:spcPct val="110000"/>
+              </a:lnSpc>
+              <a:spcBef>
+                <a:spcPts val="1500"/>
+              </a:spcBef>
+              <a:spcAft>
+                <a:spcPts val="0"/>
+              </a:spcAft>
+              <a:buNone/>
+            </a:pPr>
+            <a:r>
+              <a:rPr lang="en-US" sz="2000">
+                <a:solidFill>
+                  <a:schemeClr val="bg1"/>
+                </a:solidFill>
+              </a:rPr>
+              <a:t>Spring Boot uses a very particular PropertySource order that is designed to allow sensible overriding of values</a:t>
+            </a:r>
+            <a:endParaRPr lang="en-US" sz="2000">
+              <a:solidFill>
+                <a:schemeClr val="bg1"/>
+              </a:solidFill>
+            </a:endParaRPr>
+          </a:p>
+          <a:p>
+            <a:pPr marL="0" indent="0">
+              <a:lnSpc>
+                <a:spcPct val="110000"/>
+              </a:lnSpc>
+              <a:spcBef>
+                <a:spcPts val="1500"/>
+              </a:spcBef>
+              <a:spcAft>
+                <a:spcPts val="0"/>
+              </a:spcAft>
+              <a:buNone/>
+            </a:pPr>
+            <a:r>
+              <a:rPr lang="en-US" sz="2000">
+                <a:solidFill>
+                  <a:schemeClr val="bg1"/>
+                </a:solidFill>
+              </a:rPr>
+              <a:t>Any property could be overriding using environment variable, JVM property or c</a:t>
+            </a:r>
+            <a:r>
+              <a:rPr lang="en-US" sz="2000">
+                <a:solidFill>
+                  <a:schemeClr val="bg1"/>
+                </a:solidFill>
+                <a:sym typeface="+mn-ea"/>
+              </a:rPr>
+              <a:t>ommand line argument</a:t>
+            </a:r>
+            <a:endParaRPr lang="en-US" sz="2000">
+              <a:solidFill>
+                <a:schemeClr val="bg1"/>
+              </a:solidFill>
+              <a:sym typeface="+mn-ea"/>
+            </a:endParaRPr>
+          </a:p>
+          <a:p>
+            <a:pPr marL="0" indent="0">
+              <a:lnSpc>
+                <a:spcPct val="110000"/>
+              </a:lnSpc>
+              <a:spcBef>
+                <a:spcPts val="1500"/>
+              </a:spcBef>
+              <a:spcAft>
+                <a:spcPts val="0"/>
+              </a:spcAft>
+              <a:buNone/>
+            </a:pPr>
+            <a:r>
+              <a:rPr lang="en-US" sz="2000">
+                <a:solidFill>
+                  <a:schemeClr val="bg1"/>
+                </a:solidFill>
+              </a:rPr>
+              <a:t>More and more tools for externalize configs could be used </a:t>
+            </a:r>
+            <a:r>
+              <a:rPr lang="en-US" altLang="ru-RU" sz="2000">
+                <a:solidFill>
+                  <a:schemeClr val="bg1"/>
+                </a:solidFill>
+              </a:rPr>
+              <a:t>via </a:t>
+            </a:r>
+            <a:r>
+              <a:rPr lang="en-US" sz="2000">
+                <a:solidFill>
+                  <a:schemeClr val="bg1"/>
+                </a:solidFill>
+              </a:rPr>
+              <a:t>plugable API</a:t>
+            </a:r>
+            <a:endParaRPr lang="en-US" sz="2000">
+              <a:solidFill>
+                <a:schemeClr val="bg1"/>
+              </a:solidFill>
+            </a:endParaRPr>
+          </a:p>
+        </p:txBody>
+      </p:sp>
+    </p:spTree>
+  </p:cSld>
+  <p:clrMapOvr>
+    <a:masterClrMapping/>
+  </p:clrMapOvr>
+  <mc:AlternateContent xmlns:mc="http://schemas.openxmlformats.org/markup-compatibility/2006">
+    <mc:Choice xmlns:p14="http://schemas.microsoft.com/office/powerpoint/2010/main" Requires="p14">
+      <p:transition p14:dur="300">
+        <p:fade/>
+      </p:transition>
+    </mc:Choice>
+    <mc:Fallback>
+      <p:transition>
+        <p:fade/>
+      </p:transition>
+    </mc:Fallback>
+  </mc:AlternateContent>
+</p:sld>
+</file>
+
+<file path=ppt/slides/slide2.xml><?xml version="1.0" encoding="utf-8"?>
+<p:sld xmlns:a="http://schemas.openxmlformats.org/drawingml/2006/main" xmlns:r="http://schemas.openxmlformats.org/officeDocument/2006/relationships" xmlns:p="http://schemas.openxmlformats.org/presentationml/2006/main">
+  <p:cSld>
+    <p:spTree>
+      <p:nvGrpSpPr>
+        <p:cNvPr id="1" name=""/>
+        <p:cNvGrpSpPr/>
+        <p:nvPr/>
+      </p:nvGrpSpPr>
+      <p:grpSpPr/>
+      <p:sp>
+        <p:nvSpPr>
+          <p:cNvPr id="2" name="Title 1"/>
+          <p:cNvSpPr>
+            <a:spLocks noGrp="1"/>
+          </p:cNvSpPr>
+          <p:nvPr>
+            <p:ph type="title"/>
+          </p:nvPr>
+        </p:nvSpPr>
+        <p:spPr/>
+        <p:txBody>
+          <a:bodyPr/>
+          <a:p>
+            <a:r>
+              <a:rPr lang="en-US">
+                <a:solidFill>
+                  <a:srgbClr val="80EB6E"/>
+                </a:solidFill>
+              </a:rPr>
+              <a:t>12 Factor Application</a:t>
+            </a:r>
+            <a:endParaRPr lang="en-US">
+              <a:solidFill>
+                <a:srgbClr val="80EB6E"/>
+              </a:solidFill>
+            </a:endParaRPr>
+          </a:p>
+        </p:txBody>
+      </p:sp>
+      <p:sp>
+        <p:nvSpPr>
+          <p:cNvPr id="3" name="Content Placeholder 2"/>
+          <p:cNvSpPr>
+            <a:spLocks noGrp="1"/>
+          </p:cNvSpPr>
+          <p:nvPr>
+            <p:ph idx="1"/>
+          </p:nvPr>
+        </p:nvSpPr>
+        <p:spPr>
+          <a:xfrm>
+            <a:off x="838200" y="1691005"/>
+            <a:ext cx="10515600" cy="4486275"/>
+          </a:xfrm>
+        </p:spPr>
+        <p:txBody>
+          <a:bodyPr>
+            <a:normAutofit fontScale="70000"/>
+          </a:bodyPr>
+          <a:p>
+            <a:pPr marL="0" indent="0">
+              <a:lnSpc>
+                <a:spcPct val="110000"/>
+              </a:lnSpc>
+              <a:spcAft>
+                <a:spcPts val="0"/>
+              </a:spcAft>
+              <a:buNone/>
+            </a:pPr>
+            <a:r>
+              <a:rPr lang="en-US">
+                <a:solidFill>
+                  <a:schemeClr val="bg1"/>
+                </a:solidFill>
+              </a:rPr>
+              <a:t>In the modern era, software is commonly delivered as a service: called web apps, or software-as-a-service. The twelve-factor app is a methodology for building software-as-a-service apps that:</a:t>
+            </a:r>
+            <a:endParaRPr lang="en-US">
+              <a:solidFill>
+                <a:schemeClr val="bg1"/>
+              </a:solidFill>
+            </a:endParaRPr>
+          </a:p>
+          <a:p>
+            <a:r>
+              <a:rPr lang="en-US">
+                <a:solidFill>
+                  <a:schemeClr val="bg1"/>
+                </a:solidFill>
+                <a:sym typeface="+mn-ea"/>
+              </a:rPr>
+              <a:t>Use declarative formats for setup automation</a:t>
+            </a:r>
+            <a:endParaRPr lang="en-US">
+              <a:solidFill>
+                <a:schemeClr val="bg1"/>
+              </a:solidFill>
+            </a:endParaRPr>
+          </a:p>
+          <a:p>
+            <a:r>
+              <a:rPr lang="en-US">
+                <a:solidFill>
+                  <a:schemeClr val="bg1"/>
+                </a:solidFill>
+              </a:rPr>
+              <a:t>Have a clean contract with the underlying operating system</a:t>
+            </a:r>
+            <a:endParaRPr lang="en-US">
+              <a:solidFill>
+                <a:schemeClr val="bg1"/>
+              </a:solidFill>
+            </a:endParaRPr>
+          </a:p>
+          <a:p>
+            <a:r>
+              <a:rPr lang="en-US">
+                <a:solidFill>
+                  <a:schemeClr val="bg1"/>
+                </a:solidFill>
+              </a:rPr>
+              <a:t>Are suitable for deployment on modern cloud platforms</a:t>
+            </a:r>
+            <a:endParaRPr lang="en-US">
+              <a:solidFill>
+                <a:schemeClr val="bg1"/>
+              </a:solidFill>
+            </a:endParaRPr>
+          </a:p>
+          <a:p>
+            <a:r>
+              <a:rPr lang="en-US">
+                <a:solidFill>
+                  <a:schemeClr val="bg1"/>
+                </a:solidFill>
+              </a:rPr>
+              <a:t>Minimize divergence between development and production</a:t>
+            </a:r>
+            <a:endParaRPr lang="en-US">
+              <a:solidFill>
+                <a:schemeClr val="bg1"/>
+              </a:solidFill>
+            </a:endParaRPr>
+          </a:p>
+          <a:p>
+            <a:r>
+              <a:rPr lang="en-US">
+                <a:solidFill>
+                  <a:schemeClr val="bg1"/>
+                </a:solidFill>
+              </a:rPr>
+              <a:t>Can scale up without significant changes</a:t>
+            </a:r>
+            <a:endParaRPr lang="en-US">
+              <a:solidFill>
+                <a:schemeClr val="bg1"/>
+              </a:solidFill>
+            </a:endParaRPr>
+          </a:p>
+          <a:p>
+            <a:pPr marL="0" indent="0">
+              <a:lnSpc>
+                <a:spcPct val="110000"/>
+              </a:lnSpc>
+              <a:spcBef>
+                <a:spcPts val="3000"/>
+              </a:spcBef>
+              <a:spcAft>
+                <a:spcPts val="0"/>
+              </a:spcAft>
+              <a:buNone/>
+            </a:pPr>
+            <a:r>
+              <a:rPr lang="en-US">
+                <a:solidFill>
+                  <a:schemeClr val="bg1"/>
+                </a:solidFill>
+              </a:rPr>
+              <a:t>The contributors to this document have been directly involved in the development and deployment of hundreds of apps, and indirectly witnessed the development, operation, and scaling of hundreds of thousands of apps via our work on the Heroku platform.</a:t>
+            </a:r>
+            <a:endParaRPr lang="en-US">
+              <a:solidFill>
+                <a:schemeClr val="bg1"/>
+              </a:solidFill>
+            </a:endParaRPr>
+          </a:p>
+        </p:txBody>
+      </p:sp>
+      <p:sp>
+        <p:nvSpPr>
+          <p:cNvPr id="4" name="Text Box 3"/>
+          <p:cNvSpPr txBox="1"/>
+          <p:nvPr/>
+        </p:nvSpPr>
+        <p:spPr>
+          <a:xfrm>
+            <a:off x="9249410" y="1322705"/>
+            <a:ext cx="2104390" cy="368300"/>
+          </a:xfrm>
+          <a:prstGeom prst="rect">
+            <a:avLst/>
+          </a:prstGeom>
+          <a:noFill/>
+        </p:spPr>
+        <p:txBody>
+          <a:bodyPr wrap="none" rtlCol="0">
+            <a:spAutoFit/>
+          </a:bodyPr>
+          <a:p>
+            <a:pPr algn="l"/>
+            <a:r>
+              <a:rPr lang="en-US">
+                <a:solidFill>
+                  <a:schemeClr val="bg1"/>
+                </a:solidFill>
+              </a:rPr>
+              <a:t>https://12factor.net/</a:t>
+            </a:r>
+            <a:endParaRPr lang="en-US">
+              <a:solidFill>
+                <a:schemeClr val="bg1"/>
+              </a:solidFill>
+            </a:endParaRPr>
+          </a:p>
+        </p:txBody>
+      </p:sp>
+    </p:spTree>
+  </p:cSld>
+  <p:clrMapOvr>
+    <a:masterClrMapping/>
+  </p:clrMapOvr>
+  <mc:AlternateContent xmlns:mc="http://schemas.openxmlformats.org/markup-compatibility/2006">
+    <mc:Choice xmlns:p14="http://schemas.microsoft.com/office/powerpoint/2010/main" Requires="p14">
+      <p:transition p14:dur="300">
+        <p:fade/>
+      </p:transition>
+    </mc:Choice>
+    <mc:Fallback>
+      <p:transition>
+        <p:fade/>
+      </p:transition>
+    </mc:Fallback>
+  </mc:AlternateContent>
+</p:sld>
+</file>
+
+<file path=ppt/slides/slide20.xml><?xml version="1.0" encoding="utf-8"?>
+<p:sld xmlns:a="http://schemas.openxmlformats.org/drawingml/2006/main" xmlns:r="http://schemas.openxmlformats.org/officeDocument/2006/relationships" xmlns:p="http://schemas.openxmlformats.org/presentationml/2006/main">
+  <p:cSld>
+    <p:spTree>
+      <p:nvGrpSpPr>
+        <p:cNvPr id="1" name=""/>
+        <p:cNvGrpSpPr/>
+        <p:nvPr/>
+      </p:nvGrpSpPr>
+      <p:grpSpPr/>
+      <p:sp>
+        <p:nvSpPr>
+          <p:cNvPr id="2" name="Title 1"/>
+          <p:cNvSpPr>
+            <a:spLocks noGrp="1"/>
+          </p:cNvSpPr>
+          <p:nvPr>
+            <p:ph type="title"/>
+          </p:nvPr>
+        </p:nvSpPr>
+        <p:spPr/>
+        <p:txBody>
+          <a:bodyPr>
+            <a:normAutofit/>
+          </a:bodyPr>
+          <a:p>
+            <a:r>
+              <a:rPr lang="en-US">
+                <a:solidFill>
+                  <a:srgbClr val="80EB6E"/>
+                </a:solidFill>
+              </a:rPr>
+              <a:t>References</a:t>
+            </a:r>
+            <a:endParaRPr lang="en-US">
+              <a:solidFill>
+                <a:srgbClr val="80EB6E"/>
+              </a:solidFill>
+            </a:endParaRPr>
+          </a:p>
+        </p:txBody>
+      </p:sp>
+      <p:sp>
+        <p:nvSpPr>
+          <p:cNvPr id="3" name="Content Placeholder 2"/>
+          <p:cNvSpPr>
+            <a:spLocks noGrp="1"/>
+          </p:cNvSpPr>
+          <p:nvPr>
+            <p:ph idx="1"/>
+          </p:nvPr>
+        </p:nvSpPr>
+        <p:spPr>
+          <a:xfrm>
+            <a:off x="838200" y="1691005"/>
+            <a:ext cx="10515600" cy="4589780"/>
+          </a:xfrm>
+        </p:spPr>
+        <p:txBody>
+          <a:bodyPr>
+            <a:noAutofit/>
+          </a:bodyPr>
+          <a:p>
+            <a:pPr marL="0" indent="0">
+              <a:lnSpc>
+                <a:spcPct val="110000"/>
+              </a:lnSpc>
+              <a:spcBef>
+                <a:spcPts val="1500"/>
+              </a:spcBef>
+              <a:spcAft>
+                <a:spcPts val="0"/>
+              </a:spcAft>
+              <a:buNone/>
+            </a:pPr>
+            <a:r>
+              <a:rPr lang="en-US" sz="2000">
+                <a:solidFill>
+                  <a:schemeClr val="bg1"/>
+                </a:solidFill>
+                <a:sym typeface="+mn-ea"/>
+              </a:rPr>
+              <a:t>https://12factor.net/</a:t>
+            </a:r>
+            <a:endParaRPr lang="en-US" sz="2000">
+              <a:solidFill>
+                <a:schemeClr val="bg1"/>
+              </a:solidFill>
+              <a:sym typeface="+mn-ea"/>
+            </a:endParaRPr>
+          </a:p>
+          <a:p>
+            <a:pPr marL="0" indent="0">
+              <a:lnSpc>
+                <a:spcPct val="110000"/>
+              </a:lnSpc>
+              <a:spcBef>
+                <a:spcPts val="1500"/>
+              </a:spcBef>
+              <a:spcAft>
+                <a:spcPts val="0"/>
+              </a:spcAft>
+              <a:buNone/>
+            </a:pPr>
+            <a:r>
+              <a:rPr lang="en-US" sz="2000">
+                <a:solidFill>
+                  <a:schemeClr val="bg1"/>
+                </a:solidFill>
+              </a:rPr>
+              <a:t>https://www.baeldung.com/properties-with-spring</a:t>
+            </a:r>
+            <a:endParaRPr lang="en-US" sz="2000">
+              <a:solidFill>
+                <a:schemeClr val="bg1"/>
+              </a:solidFill>
+            </a:endParaRPr>
+          </a:p>
+          <a:p>
+            <a:pPr marL="0" indent="0">
+              <a:lnSpc>
+                <a:spcPct val="110000"/>
+              </a:lnSpc>
+              <a:spcBef>
+                <a:spcPts val="1500"/>
+              </a:spcBef>
+              <a:spcAft>
+                <a:spcPts val="0"/>
+              </a:spcAft>
+              <a:buNone/>
+            </a:pPr>
+            <a:r>
+              <a:rPr lang="en-US" sz="2000">
+                <a:solidFill>
+                  <a:schemeClr val="bg1"/>
+                </a:solidFill>
+              </a:rPr>
+              <a:t>https://docs.spring.io/spring-boot/docs/current/reference/html/features.html</a:t>
+            </a:r>
+            <a:endParaRPr lang="en-US" sz="2000">
+              <a:solidFill>
+                <a:schemeClr val="bg1"/>
+              </a:solidFill>
+            </a:endParaRPr>
+          </a:p>
+          <a:p>
+            <a:pPr marL="0" indent="0">
+              <a:lnSpc>
+                <a:spcPct val="110000"/>
+              </a:lnSpc>
+              <a:spcBef>
+                <a:spcPts val="1500"/>
+              </a:spcBef>
+              <a:spcAft>
+                <a:spcPts val="0"/>
+              </a:spcAft>
+              <a:buNone/>
+            </a:pPr>
+            <a:r>
+              <a:rPr lang="en-US" sz="2000">
+                <a:solidFill>
+                  <a:schemeClr val="bg1"/>
+                </a:solidFill>
+              </a:rPr>
+              <a:t>https://docs.spring.io/spring-boot/docs/current/reference/html/application-properties.html</a:t>
+            </a:r>
+            <a:endParaRPr lang="en-US" sz="2000">
+              <a:solidFill>
+                <a:schemeClr val="bg1"/>
+              </a:solidFill>
+            </a:endParaRPr>
+          </a:p>
+          <a:p>
+            <a:pPr marL="0" indent="0">
+              <a:lnSpc>
+                <a:spcPct val="110000"/>
+              </a:lnSpc>
+              <a:spcBef>
+                <a:spcPts val="1500"/>
+              </a:spcBef>
+              <a:spcAft>
+                <a:spcPts val="0"/>
+              </a:spcAft>
+              <a:buNone/>
+            </a:pPr>
+            <a:r>
+              <a:rPr lang="en-US" sz="2000">
+                <a:solidFill>
+                  <a:schemeClr val="bg1"/>
+                </a:solidFill>
+              </a:rPr>
+              <a:t>https://docs.spring.io/spring-cloud-config/docs/current/reference/html/</a:t>
+            </a:r>
+            <a:endParaRPr lang="en-US" sz="2000">
+              <a:solidFill>
+                <a:schemeClr val="bg1"/>
+              </a:solidFill>
+            </a:endParaRPr>
+          </a:p>
+          <a:p>
+            <a:pPr marL="0" indent="0">
+              <a:lnSpc>
+                <a:spcPct val="110000"/>
+              </a:lnSpc>
+              <a:spcBef>
+                <a:spcPts val="1500"/>
+              </a:spcBef>
+              <a:spcAft>
+                <a:spcPts val="0"/>
+              </a:spcAft>
+              <a:buNone/>
+            </a:pPr>
+            <a:r>
+              <a:rPr lang="en-US" sz="2000">
+                <a:solidFill>
+                  <a:schemeClr val="bg1"/>
+                </a:solidFill>
+              </a:rPr>
+              <a:t>Cloud Native Java - Josh Long, Kenny Bastani, O'Reilly Media, ISBN ‏ : ‎ 978-1449374648</a:t>
+            </a:r>
+            <a:endParaRPr lang="en-US" sz="2000">
+              <a:solidFill>
+                <a:schemeClr val="bg1"/>
+              </a:solidFill>
+            </a:endParaRPr>
+          </a:p>
+          <a:p>
+            <a:pPr marL="0" indent="0">
+              <a:lnSpc>
+                <a:spcPct val="110000"/>
+              </a:lnSpc>
+              <a:spcBef>
+                <a:spcPts val="1500"/>
+              </a:spcBef>
+              <a:spcAft>
+                <a:spcPts val="0"/>
+              </a:spcAft>
+              <a:buNone/>
+            </a:pPr>
+            <a:r>
+              <a:rPr lang="en-US" sz="2000">
+                <a:solidFill>
+                  <a:schemeClr val="bg1"/>
+                </a:solidFill>
+              </a:rPr>
+              <a:t>Beginning Spring Boot 3 - K. Siva Prasad Reddy, Sai Upadhyayula, Apress, ISBN: 978-1-4842-8792-7</a:t>
+            </a:r>
+            <a:endParaRPr lang="en-US" sz="2000">
+              <a:solidFill>
+                <a:schemeClr val="bg1"/>
+              </a:solidFill>
+            </a:endParaRPr>
+          </a:p>
+          <a:p>
+            <a:pPr marL="0" indent="0">
+              <a:lnSpc>
+                <a:spcPct val="110000"/>
+              </a:lnSpc>
+              <a:spcBef>
+                <a:spcPts val="1500"/>
+              </a:spcBef>
+              <a:spcAft>
+                <a:spcPts val="0"/>
+              </a:spcAft>
+              <a:buNone/>
+            </a:pPr>
+            <a:r>
+              <a:rPr lang="en-US" sz="2000">
+                <a:solidFill>
+                  <a:schemeClr val="bg1"/>
+                </a:solidFill>
+              </a:rPr>
+              <a:t>Microservices with Spring Boot and Spring Cloud - Magnus Larsson, Packt Publishing, ISBN: 978-1-80107-297-7</a:t>
+            </a:r>
+            <a:endParaRPr lang="en-US" sz="2000">
+              <a:solidFill>
+                <a:schemeClr val="bg1"/>
+              </a:solidFill>
+            </a:endParaRPr>
+          </a:p>
+        </p:txBody>
+      </p:sp>
+    </p:spTree>
+  </p:cSld>
+  <p:clrMapOvr>
+    <a:masterClrMapping/>
+  </p:clrMapOvr>
+  <mc:AlternateContent xmlns:mc="http://schemas.openxmlformats.org/markup-compatibility/2006">
+    <mc:Choice xmlns:p14="http://schemas.microsoft.com/office/powerpoint/2010/main" Requires="p14">
+      <p:transition p14:dur="300">
+        <p:fade/>
+      </p:transition>
+    </mc:Choice>
+    <mc:Fallback>
+      <p:transition>
+        <p:fade/>
+      </p:transition>
+    </mc:Fallback>
+  </mc:AlternateContent>
+</p:sld>
+</file>
+
+<file path=ppt/slides/slide21.xml><?xml version="1.0" encoding="utf-8"?>
 <p:sld xmlns:a="http://schemas.openxmlformats.org/drawingml/2006/main" xmlns:r="http://schemas.openxmlformats.org/officeDocument/2006/relationships" xmlns:p="http://schemas.openxmlformats.org/presentationml/2006/main">
   <p:cSld>
     <p:bg>
@@ -5488,225 +6480,16 @@
           </a:p>
         </p:txBody>
       </p:sp>
-    </p:spTree>
-  </p:cSld>
-  <p:clrMapOvr>
-    <a:masterClrMapping/>
-  </p:clrMapOvr>
-  <mc:AlternateContent xmlns:mc="http://schemas.openxmlformats.org/markup-compatibility/2006">
-    <mc:Choice xmlns:p14="http://schemas.microsoft.com/office/powerpoint/2010/main" Requires="p14">
-      <p:transition p14:dur="300">
-        <p:fade/>
-      </p:transition>
-    </mc:Choice>
-    <mc:Fallback>
-      <p:transition>
-        <p:fade/>
-      </p:transition>
-    </mc:Fallback>
-  </mc:AlternateContent>
-</p:sld>
-</file>
-
-<file path=ppt/slides/slide2.xml><?xml version="1.0" encoding="utf-8"?>
-<p:sld xmlns:a="http://schemas.openxmlformats.org/drawingml/2006/main" xmlns:r="http://schemas.openxmlformats.org/officeDocument/2006/relationships" xmlns:p="http://schemas.openxmlformats.org/presentationml/2006/main">
-  <p:cSld>
-    <p:spTree>
-      <p:nvGrpSpPr>
-        <p:cNvPr id="1" name=""/>
-        <p:cNvGrpSpPr/>
-        <p:nvPr/>
-      </p:nvGrpSpPr>
-      <p:grpSpPr/>
-      <p:sp>
-        <p:nvSpPr>
-          <p:cNvPr id="2" name="Title 1"/>
-          <p:cNvSpPr>
-            <a:spLocks noGrp="1"/>
-          </p:cNvSpPr>
-          <p:nvPr>
-            <p:ph type="title"/>
-          </p:nvPr>
-        </p:nvSpPr>
-        <p:spPr/>
-        <p:txBody>
-          <a:bodyPr/>
-          <a:p>
-            <a:r>
-              <a:rPr lang="en-US">
-                <a:solidFill>
-                  <a:srgbClr val="80EB6E"/>
-                </a:solidFill>
-              </a:rPr>
-              <a:t>12 Factor Application</a:t>
-            </a:r>
-            <a:endParaRPr lang="en-US">
-              <a:solidFill>
-                <a:srgbClr val="80EB6E"/>
-              </a:solidFill>
-            </a:endParaRPr>
-          </a:p>
-        </p:txBody>
-      </p:sp>
-      <p:sp>
-        <p:nvSpPr>
-          <p:cNvPr id="3" name="Content Placeholder 2"/>
-          <p:cNvSpPr>
-            <a:spLocks noGrp="1"/>
-          </p:cNvSpPr>
-          <p:nvPr>
-            <p:ph idx="1"/>
-          </p:nvPr>
+      <p:sp>
+        <p:nvSpPr>
+          <p:cNvPr id="3" name="Text Box 2"/>
+          <p:cNvSpPr txBox="1"/>
+          <p:nvPr/>
         </p:nvSpPr>
         <p:spPr>
           <a:xfrm>
-            <a:off x="838200" y="1691005"/>
-            <a:ext cx="10515600" cy="4486275"/>
-          </a:xfrm>
-        </p:spPr>
-        <p:txBody>
-          <a:bodyPr>
-            <a:normAutofit fontScale="70000"/>
-          </a:bodyPr>
-          <a:p>
-            <a:pPr marL="0" indent="0">
-              <a:lnSpc>
-                <a:spcPct val="110000"/>
-              </a:lnSpc>
-              <a:spcAft>
-                <a:spcPts val="0"/>
-              </a:spcAft>
-              <a:buNone/>
-            </a:pPr>
-            <a:r>
-              <a:rPr lang="en-US">
-                <a:solidFill>
-                  <a:schemeClr val="bg1"/>
-                </a:solidFill>
-              </a:rPr>
-              <a:t>In the modern era, software is commonly delivered as a service: called web apps, or software-as-a-service. The twelve-factor app is a methodology for building software-as-a-service apps that:</a:t>
-            </a:r>
-            <a:endParaRPr lang="en-US">
-              <a:solidFill>
-                <a:schemeClr val="bg1"/>
-              </a:solidFill>
-            </a:endParaRPr>
-          </a:p>
-          <a:p>
-            <a:r>
-              <a:rPr lang="en-US">
-                <a:solidFill>
-                  <a:schemeClr val="bg1"/>
-                </a:solidFill>
-                <a:sym typeface="+mn-ea"/>
-              </a:rPr>
-              <a:t>Use declarative formats for setup automation</a:t>
-            </a:r>
-            <a:endParaRPr lang="en-US">
-              <a:solidFill>
-                <a:schemeClr val="bg1"/>
-              </a:solidFill>
-            </a:endParaRPr>
-          </a:p>
-          <a:p>
-            <a:r>
-              <a:rPr lang="en-US">
-                <a:solidFill>
-                  <a:schemeClr val="bg1"/>
-                </a:solidFill>
-              </a:rPr>
-              <a:t>Have a clean contract with the underlying operating system</a:t>
-            </a:r>
-            <a:endParaRPr lang="en-US">
-              <a:solidFill>
-                <a:schemeClr val="bg1"/>
-              </a:solidFill>
-            </a:endParaRPr>
-          </a:p>
-          <a:p>
-            <a:r>
-              <a:rPr lang="en-US">
-                <a:solidFill>
-                  <a:schemeClr val="bg1"/>
-                </a:solidFill>
-              </a:rPr>
-              <a:t>Are suitable for deployment on modern cloud platforms</a:t>
-            </a:r>
-            <a:endParaRPr lang="en-US">
-              <a:solidFill>
-                <a:schemeClr val="bg1"/>
-              </a:solidFill>
-            </a:endParaRPr>
-          </a:p>
-          <a:p>
-            <a:r>
-              <a:rPr lang="en-US">
-                <a:solidFill>
-                  <a:schemeClr val="bg1"/>
-                </a:solidFill>
-              </a:rPr>
-              <a:t>Minimize divergence between development and production</a:t>
-            </a:r>
-            <a:endParaRPr lang="en-US">
-              <a:solidFill>
-                <a:schemeClr val="bg1"/>
-              </a:solidFill>
-            </a:endParaRPr>
-          </a:p>
-          <a:p>
-            <a:r>
-              <a:rPr lang="en-US">
-                <a:solidFill>
-                  <a:schemeClr val="bg1"/>
-                </a:solidFill>
-              </a:rPr>
-              <a:t>Can scale up without significant changes</a:t>
-            </a:r>
-            <a:endParaRPr lang="en-US">
-              <a:solidFill>
-                <a:schemeClr val="bg1"/>
-              </a:solidFill>
-            </a:endParaRPr>
-          </a:p>
-          <a:p>
-            <a:pPr marL="0" indent="0">
-              <a:lnSpc>
-                <a:spcPct val="110000"/>
-              </a:lnSpc>
-              <a:spcBef>
-                <a:spcPts val="3000"/>
-              </a:spcBef>
-              <a:spcAft>
-                <a:spcPts val="0"/>
-              </a:spcAft>
-              <a:buNone/>
-            </a:pPr>
-            <a:r>
-              <a:rPr lang="en-US">
-                <a:solidFill>
-                  <a:schemeClr val="bg1"/>
-                </a:solidFill>
-              </a:rPr>
-              <a:t>The contributors to this document have been directly involved in the development and deployment of hundreds of apps, and indirectly witnessed the development, operation, and scaling of hundreds of thousands of apps via our work on the Heroku platform.</a:t>
-            </a:r>
-            <a:endParaRPr lang="en-US">
-              <a:solidFill>
-                <a:schemeClr val="bg1"/>
-              </a:solidFill>
-            </a:endParaRPr>
-          </a:p>
-        </p:txBody>
-      </p:sp>
-      <p:sp>
-        <p:nvSpPr>
-          <p:cNvPr id="4" name="Text Box 3"/>
-          <p:cNvSpPr txBox="1"/>
-          <p:nvPr/>
-        </p:nvSpPr>
-        <p:spPr>
-          <a:xfrm>
-            <a:off x="9249410" y="1322705"/>
-            <a:ext cx="2104390" cy="368300"/>
+            <a:off x="1524000" y="4861560"/>
+            <a:ext cx="9144635" cy="368300"/>
           </a:xfrm>
           <a:prstGeom prst="rect">
             <a:avLst/>
@@ -5714,18 +6497,18 @@
           <a:noFill/>
         </p:spPr>
         <p:txBody>
-          <a:bodyPr wrap="none" rtlCol="0">
+          <a:bodyPr wrap="square" rtlCol="0">
             <a:spAutoFit/>
           </a:bodyPr>
           <a:p>
-            <a:pPr algn="l"/>
+            <a:pPr algn="just"/>
             <a:r>
               <a:rPr lang="en-US">
                 <a:solidFill>
                   <a:schemeClr val="bg1"/>
                 </a:solidFill>
               </a:rPr>
-              <a:t>https://12factor.net/</a:t>
+              <a:t>Source code:	https://github.com/averkhoglyad/spring-boot-properties-prototype</a:t>
             </a:r>
             <a:endParaRPr lang="en-US">
               <a:solidFill>

--- a/spring configs.pptx
+++ b/spring configs.pptx
@@ -5253,29 +5253,6 @@
               </a:spcAft>
               <a:buNone/>
             </a:pPr>
-            <a:r>
-              <a:rPr lang="en-US" sz="2000">
-                <a:solidFill>
-                  <a:schemeClr val="bg1"/>
-                </a:solidFill>
-              </a:rPr>
-              <a:t>spring.profiles.group.production[0]=proddb</a:t>
-            </a:r>
-            <a:br>
-              <a:rPr lang="en-US" sz="2000">
-                <a:solidFill>
-                  <a:schemeClr val="bg1"/>
-                </a:solidFill>
-              </a:rPr>
-            </a:br>
-            <a:r>
-              <a:rPr lang="en-US" sz="2000">
-                <a:solidFill>
-                  <a:schemeClr val="bg1"/>
-                </a:solidFill>
-              </a:rPr>
-              <a:t>spring.profiles.group.production[1]=prodmq</a:t>
-            </a:r>
             <a:endParaRPr lang="en-US" sz="2000">
               <a:solidFill>
                 <a:schemeClr val="bg1"/>
@@ -5284,6 +5261,32 @@
           </a:p>
         </p:txBody>
       </p:sp>
+      <p:pic>
+        <p:nvPicPr>
+          <p:cNvPr id="4" name="Content Placeholder 3"/>
+          <p:cNvPicPr>
+            <a:picLocks noChangeAspect="1"/>
+          </p:cNvPicPr>
+          <p:nvPr>
+            <p:ph sz="half" idx="2"/>
+          </p:nvPr>
+        </p:nvPicPr>
+        <p:blipFill>
+          <a:blip r:embed="rId1"/>
+          <a:stretch>
+            <a:fillRect/>
+          </a:stretch>
+        </p:blipFill>
+        <p:spPr>
+          <a:xfrm>
+            <a:off x="838200" y="5163185"/>
+            <a:ext cx="10529570" cy="720090"/>
+          </a:xfrm>
+          <a:prstGeom prst="rect">
+            <a:avLst/>
+          </a:prstGeom>
+        </p:spPr>
+      </p:pic>
     </p:spTree>
   </p:cSld>
   <p:clrMapOvr>
@@ -8993,6 +8996,33 @@
                                     <p:animClr clrSpc="rgb" dir="cw">
                                       <p:cBhvr override="childStyle">
                                         <p:cTn id="10" dur="2000" fill="hold"/>
+                                        <p:tgtEl>
+                                          <p:spTgt spid="3">
+                                            <p:txEl>
+                                              <p:pRg st="8" end="8"/>
+                                            </p:txEl>
+                                          </p:spTgt>
+                                        </p:tgtEl>
+                                        <p:attrNameLst>
+                                          <p:attrName>style.color</p:attrName>
+                                        </p:attrNameLst>
+                                      </p:cBhvr>
+                                      <p:to>
+                                        <a:srgbClr val="80eb6e"/>
+                                      </p:to>
+                                    </p:animClr>
+                                  </p:childTnLst>
+                                </p:cTn>
+                              </p:par>
+                              <p:par>
+                                <p:cTn id="11" presetID="3" presetClass="emph" presetSubtype="2" fill="hold" nodeType="withEffect">
+                                  <p:stCondLst>
+                                    <p:cond delay="0"/>
+                                  </p:stCondLst>
+                                  <p:childTnLst>
+                                    <p:animClr clrSpc="rgb" dir="cw">
+                                      <p:cBhvr override="childStyle">
+                                        <p:cTn id="12" dur="2000" fill="hold"/>
                                         <p:tgtEl>
                                           <p:spTgt spid="3">
                                             <p:txEl>
